--- a/Group 1 - AirBnB Presentation.pptx
+++ b/Group 1 - AirBnB Presentation.pptx
@@ -7,7 +7,12 @@
   <p:sldIdLst>
     <p:sldId id="256" r:id="rId2"/>
     <p:sldId id="257" r:id="rId3"/>
-    <p:sldId id="258" r:id="rId4"/>
+    <p:sldId id="259" r:id="rId4"/>
+    <p:sldId id="261" r:id="rId5"/>
+    <p:sldId id="260" r:id="rId6"/>
+    <p:sldId id="258" r:id="rId7"/>
+    <p:sldId id="262" r:id="rId8"/>
+    <p:sldId id="263" r:id="rId9"/>
   </p:sldIdLst>
   <p:sldSz cx="12192000" cy="6858000"/>
   <p:notesSz cx="6858000" cy="9144000"/>
@@ -106,6 +111,11 @@
       </a:defRPr>
     </a:lvl9pPr>
   </p:defaultTextStyle>
+  <p:extLst>
+    <p:ext uri="{EFAFB233-063F-42B5-8137-9DF3F51BA10A}">
+      <p15:sldGuideLst xmlns:p15="http://schemas.microsoft.com/office/powerpoint/2012/main"/>
+    </p:ext>
+  </p:extLst>
 </p:presentation>
 </file>
 
@@ -256,7 +266,7 @@
           <a:p>
             <a:fld id="{5F093DE7-13CE-49E3-969E-67612BE682D7}" type="datetimeFigureOut">
               <a:rPr lang="en-US" smtClean="0"/>
-              <a:t>10/5/2019</a:t>
+              <a:t>10/7/2019</a:t>
             </a:fld>
             <a:endParaRPr lang="en-US"/>
           </a:p>
@@ -454,7 +464,7 @@
           <a:p>
             <a:fld id="{5F093DE7-13CE-49E3-969E-67612BE682D7}" type="datetimeFigureOut">
               <a:rPr lang="en-US" smtClean="0"/>
-              <a:t>10/5/2019</a:t>
+              <a:t>10/7/2019</a:t>
             </a:fld>
             <a:endParaRPr lang="en-US"/>
           </a:p>
@@ -662,7 +672,7 @@
           <a:p>
             <a:fld id="{5F093DE7-13CE-49E3-969E-67612BE682D7}" type="datetimeFigureOut">
               <a:rPr lang="en-US" smtClean="0"/>
-              <a:t>10/5/2019</a:t>
+              <a:t>10/7/2019</a:t>
             </a:fld>
             <a:endParaRPr lang="en-US"/>
           </a:p>
@@ -860,7 +870,7 @@
           <a:p>
             <a:fld id="{5F093DE7-13CE-49E3-969E-67612BE682D7}" type="datetimeFigureOut">
               <a:rPr lang="en-US" smtClean="0"/>
-              <a:t>10/5/2019</a:t>
+              <a:t>10/7/2019</a:t>
             </a:fld>
             <a:endParaRPr lang="en-US"/>
           </a:p>
@@ -1135,7 +1145,7 @@
           <a:p>
             <a:fld id="{5F093DE7-13CE-49E3-969E-67612BE682D7}" type="datetimeFigureOut">
               <a:rPr lang="en-US" smtClean="0"/>
-              <a:t>10/5/2019</a:t>
+              <a:t>10/7/2019</a:t>
             </a:fld>
             <a:endParaRPr lang="en-US"/>
           </a:p>
@@ -1400,7 +1410,7 @@
           <a:p>
             <a:fld id="{5F093DE7-13CE-49E3-969E-67612BE682D7}" type="datetimeFigureOut">
               <a:rPr lang="en-US" smtClean="0"/>
-              <a:t>10/5/2019</a:t>
+              <a:t>10/7/2019</a:t>
             </a:fld>
             <a:endParaRPr lang="en-US"/>
           </a:p>
@@ -1812,7 +1822,7 @@
           <a:p>
             <a:fld id="{5F093DE7-13CE-49E3-969E-67612BE682D7}" type="datetimeFigureOut">
               <a:rPr lang="en-US" smtClean="0"/>
-              <a:t>10/5/2019</a:t>
+              <a:t>10/7/2019</a:t>
             </a:fld>
             <a:endParaRPr lang="en-US"/>
           </a:p>
@@ -1953,7 +1963,7 @@
           <a:p>
             <a:fld id="{5F093DE7-13CE-49E3-969E-67612BE682D7}" type="datetimeFigureOut">
               <a:rPr lang="en-US" smtClean="0"/>
-              <a:t>10/5/2019</a:t>
+              <a:t>10/7/2019</a:t>
             </a:fld>
             <a:endParaRPr lang="en-US"/>
           </a:p>
@@ -2066,7 +2076,7 @@
           <a:p>
             <a:fld id="{5F093DE7-13CE-49E3-969E-67612BE682D7}" type="datetimeFigureOut">
               <a:rPr lang="en-US" smtClean="0"/>
-              <a:t>10/5/2019</a:t>
+              <a:t>10/7/2019</a:t>
             </a:fld>
             <a:endParaRPr lang="en-US"/>
           </a:p>
@@ -2377,7 +2387,7 @@
           <a:p>
             <a:fld id="{5F093DE7-13CE-49E3-969E-67612BE682D7}" type="datetimeFigureOut">
               <a:rPr lang="en-US" smtClean="0"/>
-              <a:t>10/5/2019</a:t>
+              <a:t>10/7/2019</a:t>
             </a:fld>
             <a:endParaRPr lang="en-US"/>
           </a:p>
@@ -2665,7 +2675,7 @@
           <a:p>
             <a:fld id="{5F093DE7-13CE-49E3-969E-67612BE682D7}" type="datetimeFigureOut">
               <a:rPr lang="en-US" smtClean="0"/>
-              <a:t>10/5/2019</a:t>
+              <a:t>10/7/2019</a:t>
             </a:fld>
             <a:endParaRPr lang="en-US"/>
           </a:p>
@@ -2906,7 +2916,7 @@
           <a:p>
             <a:fld id="{5F093DE7-13CE-49E3-969E-67612BE682D7}" type="datetimeFigureOut">
               <a:rPr lang="en-US" smtClean="0"/>
-              <a:t>10/5/2019</a:t>
+              <a:t>10/7/2019</a:t>
             </a:fld>
             <a:endParaRPr lang="en-US"/>
           </a:p>
@@ -3309,6 +3319,17 @@
 <file path=ppt/slides/slide1.xml><?xml version="1.0" encoding="utf-8"?>
 <p:sld xmlns:a="http://schemas.openxmlformats.org/drawingml/2006/main" xmlns:r="http://schemas.openxmlformats.org/officeDocument/2006/relationships" xmlns:p="http://schemas.openxmlformats.org/presentationml/2006/main">
   <p:cSld>
+    <p:bg>
+      <p:bgPr>
+        <a:solidFill>
+          <a:schemeClr val="bg1">
+            <a:tint val="95000"/>
+            <a:satMod val="170000"/>
+          </a:schemeClr>
+        </a:solidFill>
+        <a:effectLst/>
+      </p:bgPr>
+    </p:bg>
     <p:spTree>
       <p:nvGrpSpPr>
         <p:cNvPr id="1" name=""/>
@@ -3323,6 +3344,95 @@
           <a:chExt cx="0" cy="0"/>
         </a:xfrm>
       </p:grpSpPr>
+      <p:sp useBgFill="1">
+        <p:nvSpPr>
+          <p:cNvPr id="25" name="Rectangle 18">
+            <a:extLst>
+              <a:ext uri="{FF2B5EF4-FFF2-40B4-BE49-F238E27FC236}">
+                <a16:creationId xmlns:a16="http://schemas.microsoft.com/office/drawing/2014/main" id="{0AA8F84D-BF31-4985-9EAF-99870D11240C}"/>
+              </a:ext>
+              <a:ext uri="{C183D7F6-B498-43B3-948B-1728B52AA6E4}">
+                <adec:decorative xmlns:adec="http://schemas.microsoft.com/office/drawing/2017/decorative" val="1"/>
+              </a:ext>
+            </a:extLst>
+          </p:cNvPr>
+          <p:cNvSpPr>
+            <a:spLocks noGrp="1" noRot="1" noChangeAspect="1" noMove="1" noResize="1" noEditPoints="1" noAdjustHandles="1" noChangeArrowheads="1" noChangeShapeType="1" noTextEdit="1"/>
+          </p:cNvSpPr>
+          <p:nvPr>
+            <p:extLst>
+              <p:ext uri="{386F3935-93C4-4BCD-93E2-E3B085C9AB24}">
+                <p16:designElem xmlns:p16="http://schemas.microsoft.com/office/powerpoint/2015/main" val="1"/>
+              </p:ext>
+            </p:extLst>
+          </p:nvPr>
+        </p:nvSpPr>
+        <p:spPr>
+          <a:xfrm>
+            <a:off x="0" y="-1"/>
+            <a:ext cx="12192000" cy="6858001"/>
+          </a:xfrm>
+          <a:prstGeom prst="rect">
+            <a:avLst/>
+          </a:prstGeom>
+          <a:ln>
+            <a:noFill/>
+          </a:ln>
+        </p:spPr>
+        <p:style>
+          <a:lnRef idx="2">
+            <a:schemeClr val="accent1">
+              <a:shade val="50000"/>
+            </a:schemeClr>
+          </a:lnRef>
+          <a:fillRef idx="1">
+            <a:schemeClr val="accent1"/>
+          </a:fillRef>
+          <a:effectRef idx="0">
+            <a:schemeClr val="accent1"/>
+          </a:effectRef>
+          <a:fontRef idx="minor">
+            <a:schemeClr val="lt1"/>
+          </a:fontRef>
+        </p:style>
+        <p:txBody>
+          <a:bodyPr rtlCol="0" anchor="ctr"/>
+          <a:lstStyle/>
+          <a:p>
+            <a:pPr marL="0" marR="0" lvl="0" indent="0" algn="ctr" defTabSz="914400" rtl="0" eaLnBrk="1" fontAlgn="auto" latinLnBrk="0" hangingPunct="1">
+              <a:lnSpc>
+                <a:spcPct val="100000"/>
+              </a:lnSpc>
+              <a:spcBef>
+                <a:spcPts val="0"/>
+              </a:spcBef>
+              <a:spcAft>
+                <a:spcPts val="0"/>
+              </a:spcAft>
+              <a:buClrTx/>
+              <a:buSzTx/>
+              <a:buFontTx/>
+              <a:buNone/>
+              <a:tabLst/>
+              <a:defRPr/>
+            </a:pPr>
+            <a:endParaRPr kumimoji="0" lang="en-US" sz="1800" b="0" i="0" u="none" strike="noStrike" kern="1200" cap="none" spc="0" normalizeH="0" baseline="0" noProof="0">
+              <a:ln>
+                <a:noFill/>
+              </a:ln>
+              <a:solidFill>
+                <a:prstClr val="white"/>
+              </a:solidFill>
+              <a:effectLst/>
+              <a:uLnTx/>
+              <a:uFillTx/>
+              <a:latin typeface="Calibri" panose="020F0502020204030204"/>
+              <a:ea typeface="+mn-ea"/>
+              <a:cs typeface="+mn-cs"/>
+            </a:endParaRPr>
+          </a:p>
+        </p:txBody>
+      </p:sp>
       <p:sp>
         <p:nvSpPr>
           <p:cNvPr id="2" name="Title 1">
@@ -3339,14 +3449,57 @@
             <p:ph type="ctrTitle"/>
           </p:nvPr>
         </p:nvSpPr>
-        <p:spPr/>
-        <p:txBody>
-          <a:bodyPr/>
-          <a:lstStyle/>
-          <a:p>
+        <p:spPr>
+          <a:xfrm>
+            <a:off x="655320" y="2631125"/>
+            <a:ext cx="4983480" cy="2397443"/>
+          </a:xfrm>
+        </p:spPr>
+        <p:txBody>
+          <a:bodyPr anchor="t">
+            <a:normAutofit fontScale="90000"/>
+          </a:bodyPr>
+          <a:lstStyle/>
+          <a:p>
+            <a:pPr algn="l"/>
             <a:r>
               <a:rPr lang="en-US" dirty="0"/>
-              <a:t>Group 1 </a:t>
+              <a:t>Group 1</a:t>
+            </a:r>
+            <a:br>
+              <a:rPr lang="en-US" dirty="0"/>
+            </a:br>
+            <a:r>
+              <a:rPr lang="en-US" dirty="0" err="1"/>
+              <a:t>Jolinda</a:t>
+            </a:r>
+            <a:br>
+              <a:rPr lang="en-US" dirty="0"/>
+            </a:br>
+            <a:r>
+              <a:rPr lang="en-US" dirty="0"/>
+              <a:t>Connie</a:t>
+            </a:r>
+            <a:br>
+              <a:rPr lang="en-US" dirty="0"/>
+            </a:br>
+            <a:r>
+              <a:rPr lang="en-US" dirty="0"/>
+              <a:t>Pam</a:t>
+            </a:r>
+            <a:br>
+              <a:rPr lang="en-US" dirty="0"/>
+            </a:br>
+            <a:r>
+              <a:rPr lang="en-US" dirty="0"/>
+              <a:t>Jim</a:t>
+            </a:r>
+            <a:br>
+              <a:rPr lang="en-US" dirty="0"/>
+            </a:br>
+            <a:r>
+              <a:rPr lang="en-US" dirty="0"/>
+              <a:t> </a:t>
             </a:r>
           </a:p>
         </p:txBody>
@@ -3367,20 +3520,239 @@
             <p:ph type="subTitle" idx="1"/>
           </p:nvPr>
         </p:nvSpPr>
-        <p:spPr/>
-        <p:txBody>
-          <a:bodyPr/>
-          <a:lstStyle/>
-          <a:p>
-            <a:r>
-              <a:rPr lang="en-US" dirty="0"/>
-              <a:t>Air </a:t>
-            </a:r>
-            <a:r>
-              <a:rPr lang="en-US" dirty="0" err="1"/>
-              <a:t>BnB</a:t>
-            </a:r>
-            <a:endParaRPr lang="en-US" dirty="0"/>
+        <p:spPr>
+          <a:xfrm>
+            <a:off x="655320" y="487681"/>
+            <a:ext cx="4983480" cy="1499975"/>
+          </a:xfrm>
+        </p:spPr>
+        <p:txBody>
+          <a:bodyPr anchor="b">
+            <a:normAutofit/>
+          </a:bodyPr>
+          <a:lstStyle/>
+          <a:p>
+            <a:pPr algn="l"/>
+            <a:r>
+              <a:rPr lang="en-US"/>
+              <a:t>Air BnB</a:t>
+            </a:r>
+          </a:p>
+        </p:txBody>
+      </p:sp>
+      <p:cxnSp>
+        <p:nvCxnSpPr>
+          <p:cNvPr id="26" name="Straight Arrow Connector 20">
+            <a:extLst>
+              <a:ext uri="{FF2B5EF4-FFF2-40B4-BE49-F238E27FC236}">
+                <a16:creationId xmlns:a16="http://schemas.microsoft.com/office/drawing/2014/main" id="{BCD0BBC1-A7D4-445D-98AC-95A6A45D8EBB}"/>
+              </a:ext>
+              <a:ext uri="{C183D7F6-B498-43B3-948B-1728B52AA6E4}">
+                <adec:decorative xmlns:adec="http://schemas.microsoft.com/office/drawing/2017/decorative" val="1"/>
+              </a:ext>
+            </a:extLst>
+          </p:cNvPr>
+          <p:cNvCxnSpPr>
+            <a:cxnSpLocks noGrp="1" noRot="1" noChangeAspect="1" noMove="1" noResize="1" noEditPoints="1" noAdjustHandles="1" noChangeArrowheads="1" noChangeShapeType="1"/>
+          </p:cNvCxnSpPr>
+          <p:nvPr>
+            <p:extLst>
+              <p:ext uri="{386F3935-93C4-4BCD-93E2-E3B085C9AB24}">
+                <p16:designElem xmlns:p16="http://schemas.microsoft.com/office/powerpoint/2015/main" val="1"/>
+              </p:ext>
+            </p:extLst>
+          </p:nvPr>
+        </p:nvCxnSpPr>
+        <p:spPr>
+          <a:xfrm>
+            <a:off x="733326" y="2316480"/>
+            <a:ext cx="4572000" cy="0"/>
+          </a:xfrm>
+          <a:prstGeom prst="straightConnector1">
+            <a:avLst/>
+          </a:prstGeom>
+          <a:ln w="19050" cap="sq">
+            <a:solidFill>
+              <a:schemeClr val="tx1"/>
+            </a:solidFill>
+            <a:tailEnd type="none"/>
+          </a:ln>
+        </p:spPr>
+        <p:style>
+          <a:lnRef idx="1">
+            <a:schemeClr val="accent1"/>
+          </a:lnRef>
+          <a:fillRef idx="0">
+            <a:schemeClr val="accent1"/>
+          </a:fillRef>
+          <a:effectRef idx="0">
+            <a:schemeClr val="accent1"/>
+          </a:effectRef>
+          <a:fontRef idx="minor">
+            <a:schemeClr val="tx1"/>
+          </a:fontRef>
+        </p:style>
+      </p:cxnSp>
+      <p:sp>
+        <p:nvSpPr>
+          <p:cNvPr id="27" name="Freeform: Shape 22">
+            <a:extLst>
+              <a:ext uri="{FF2B5EF4-FFF2-40B4-BE49-F238E27FC236}">
+                <a16:creationId xmlns:a16="http://schemas.microsoft.com/office/drawing/2014/main" id="{817B5381-FFCA-4325-8FBB-B1481666A08E}"/>
+              </a:ext>
+              <a:ext uri="{C183D7F6-B498-43B3-948B-1728B52AA6E4}">
+                <adec:decorative xmlns:adec="http://schemas.microsoft.com/office/drawing/2017/decorative" val="1"/>
+              </a:ext>
+            </a:extLst>
+          </p:cNvPr>
+          <p:cNvSpPr>
+            <a:spLocks noGrp="1" noRot="1" noChangeAspect="1" noMove="1" noResize="1" noEditPoints="1" noAdjustHandles="1" noChangeArrowheads="1" noChangeShapeType="1" noTextEdit="1"/>
+          </p:cNvSpPr>
+          <p:nvPr>
+            <p:extLst>
+              <p:ext uri="{386F3935-93C4-4BCD-93E2-E3B085C9AB24}">
+                <p16:designElem xmlns:p16="http://schemas.microsoft.com/office/powerpoint/2015/main" val="1"/>
+              </p:ext>
+            </p:extLst>
+          </p:nvPr>
+        </p:nvSpPr>
+        <p:spPr>
+          <a:xfrm>
+            <a:off x="5913121" y="-2"/>
+            <a:ext cx="6278879" cy="6858002"/>
+          </a:xfrm>
+          <a:custGeom>
+            <a:avLst/>
+            <a:gdLst>
+              <a:gd name="connsiteX0" fmla="*/ 45572 w 6278879"/>
+              <a:gd name="connsiteY0" fmla="*/ 0 h 6858002"/>
+              <a:gd name="connsiteX1" fmla="*/ 6278879 w 6278879"/>
+              <a:gd name="connsiteY1" fmla="*/ 0 h 6858002"/>
+              <a:gd name="connsiteX2" fmla="*/ 6278879 w 6278879"/>
+              <a:gd name="connsiteY2" fmla="*/ 6858002 h 6858002"/>
+              <a:gd name="connsiteX3" fmla="*/ 3292308 w 6278879"/>
+              <a:gd name="connsiteY3" fmla="*/ 6858002 h 6858002"/>
+              <a:gd name="connsiteX4" fmla="*/ 3181526 w 6278879"/>
+              <a:gd name="connsiteY4" fmla="*/ 6786982 h 6858002"/>
+              <a:gd name="connsiteX5" fmla="*/ 0 w 6278879"/>
+              <a:gd name="connsiteY5" fmla="*/ 803254 h 6858002"/>
+              <a:gd name="connsiteX6" fmla="*/ 37255 w 6278879"/>
+              <a:gd name="connsiteY6" fmla="*/ 65447 h 6858002"/>
+            </a:gdLst>
+            <a:ahLst/>
+            <a:cxnLst>
+              <a:cxn ang="0">
+                <a:pos x="connsiteX0" y="connsiteY0"/>
+              </a:cxn>
+              <a:cxn ang="0">
+                <a:pos x="connsiteX1" y="connsiteY1"/>
+              </a:cxn>
+              <a:cxn ang="0">
+                <a:pos x="connsiteX2" y="connsiteY2"/>
+              </a:cxn>
+              <a:cxn ang="0">
+                <a:pos x="connsiteX3" y="connsiteY3"/>
+              </a:cxn>
+              <a:cxn ang="0">
+                <a:pos x="connsiteX4" y="connsiteY4"/>
+              </a:cxn>
+              <a:cxn ang="0">
+                <a:pos x="connsiteX5" y="connsiteY5"/>
+              </a:cxn>
+              <a:cxn ang="0">
+                <a:pos x="connsiteX6" y="connsiteY6"/>
+              </a:cxn>
+            </a:cxnLst>
+            <a:rect l="l" t="t" r="r" b="b"/>
+            <a:pathLst>
+              <a:path w="6278879" h="6858002">
+                <a:moveTo>
+                  <a:pt x="45572" y="0"/>
+                </a:moveTo>
+                <a:lnTo>
+                  <a:pt x="6278879" y="0"/>
+                </a:lnTo>
+                <a:lnTo>
+                  <a:pt x="6278879" y="6858002"/>
+                </a:lnTo>
+                <a:lnTo>
+                  <a:pt x="3292308" y="6858002"/>
+                </a:lnTo>
+                <a:lnTo>
+                  <a:pt x="3181526" y="6786982"/>
+                </a:lnTo>
+                <a:cubicBezTo>
+                  <a:pt x="1262021" y="5490191"/>
+                  <a:pt x="0" y="3294103"/>
+                  <a:pt x="0" y="803254"/>
+                </a:cubicBezTo>
+                <a:cubicBezTo>
+                  <a:pt x="0" y="554169"/>
+                  <a:pt x="12620" y="308032"/>
+                  <a:pt x="37255" y="65447"/>
+                </a:cubicBezTo>
+                <a:close/>
+              </a:path>
+            </a:pathLst>
+          </a:custGeom>
+          <a:solidFill>
+            <a:schemeClr val="accent4"/>
+          </a:solidFill>
+          <a:ln>
+            <a:noFill/>
+          </a:ln>
+        </p:spPr>
+        <p:style>
+          <a:lnRef idx="2">
+            <a:schemeClr val="accent1">
+              <a:shade val="50000"/>
+            </a:schemeClr>
+          </a:lnRef>
+          <a:fillRef idx="1">
+            <a:schemeClr val="accent1"/>
+          </a:fillRef>
+          <a:effectRef idx="0">
+            <a:schemeClr val="accent1"/>
+          </a:effectRef>
+          <a:fontRef idx="minor">
+            <a:schemeClr val="lt1"/>
+          </a:fontRef>
+        </p:style>
+        <p:txBody>
+          <a:bodyPr rtlCol="0" anchor="ctr"/>
+          <a:lstStyle/>
+          <a:p>
+            <a:pPr marL="0" marR="0" lvl="0" indent="0" algn="ctr" defTabSz="914400" rtl="0" eaLnBrk="1" fontAlgn="auto" latinLnBrk="0" hangingPunct="1">
+              <a:lnSpc>
+                <a:spcPct val="100000"/>
+              </a:lnSpc>
+              <a:spcBef>
+                <a:spcPts val="0"/>
+              </a:spcBef>
+              <a:spcAft>
+                <a:spcPts val="0"/>
+              </a:spcAft>
+              <a:buClrTx/>
+              <a:buSzTx/>
+              <a:buFontTx/>
+              <a:buNone/>
+              <a:tabLst/>
+              <a:defRPr/>
+            </a:pPr>
+            <a:endParaRPr kumimoji="0" lang="en-US" sz="1800" b="0" i="0" u="none" strike="noStrike" kern="1200" cap="none" spc="0" normalizeH="0" baseline="0" noProof="0">
+              <a:ln>
+                <a:noFill/>
+              </a:ln>
+              <a:solidFill>
+                <a:prstClr val="white"/>
+              </a:solidFill>
+              <a:effectLst/>
+              <a:uLnTx/>
+              <a:uFillTx/>
+              <a:latin typeface="Calibri" panose="020F0502020204030204"/>
+              <a:ea typeface="+mn-ea"/>
+              <a:cs typeface="+mn-cs"/>
+            </a:endParaRPr>
           </a:p>
         </p:txBody>
       </p:sp>
@@ -3392,7 +3764,7 @@
     </p:extLst>
   </p:cSld>
   <p:clrMapOvr>
-    <a:masterClrMapping/>
+    <a:overrideClrMapping bg1="dk1" tx1="lt1" bg2="dk2" tx2="lt2" accent1="accent1" accent2="accent2" accent3="accent3" accent4="accent4" accent5="accent5" accent6="accent6" hlink="hlink" folHlink="folHlink"/>
   </p:clrMapOvr>
 </p:sld>
 </file>
@@ -3430,22 +3802,19 @@
             <p:ph type="title"/>
           </p:nvPr>
         </p:nvSpPr>
-        <p:spPr/>
-        <p:txBody>
-          <a:bodyPr/>
-          <a:lstStyle/>
-          <a:p>
-            <a:r>
-              <a:rPr lang="en-US" dirty="0"/>
-              <a:t>Overview of </a:t>
-            </a:r>
-            <a:r>
-              <a:rPr lang="en-US" dirty="0" err="1"/>
-              <a:t>AIRBnb</a:t>
-            </a:r>
-            <a:r>
-              <a:rPr lang="en-US" dirty="0"/>
-              <a:t> by Island</a:t>
+        <p:spPr>
+          <a:xfrm>
+            <a:off x="0" y="0"/>
+            <a:ext cx="10515600" cy="1325563"/>
+          </a:xfrm>
+        </p:spPr>
+        <p:txBody>
+          <a:bodyPr/>
+          <a:lstStyle/>
+          <a:p>
+            <a:r>
+              <a:rPr lang="en-US" sz="3200" dirty="0"/>
+              <a:t>Overview</a:t>
             </a:r>
           </a:p>
         </p:txBody>
@@ -3467,6 +3836,10 @@
           </p:nvPr>
         </p:nvSpPr>
         <p:spPr bwMode="auto">
+          <a:xfrm>
+            <a:off x="0" y="1253331"/>
+            <a:ext cx="10515600" cy="4351338"/>
+          </a:xfrm>
           <a:prstGeom prst="rect">
             <a:avLst/>
           </a:prstGeom>
@@ -3489,16 +3862,33 @@
           </a:bodyPr>
           <a:lstStyle/>
           <a:p>
-            <a:endParaRPr lang="en-US"/>
+            <a:r>
+              <a:rPr lang="en-US" dirty="0"/>
+              <a:t>4 Islands</a:t>
+            </a:r>
+          </a:p>
+          <a:p>
+            <a:r>
+              <a:rPr lang="en-US" dirty="0"/>
+              <a:t>17204 </a:t>
+            </a:r>
+            <a:r>
+              <a:rPr lang="en-US" dirty="0" err="1"/>
+              <a:t>AirBnB’s</a:t>
+            </a:r>
+            <a:r>
+              <a:rPr lang="en-US" dirty="0"/>
+              <a:t> </a:t>
+            </a:r>
           </a:p>
         </p:txBody>
       </p:sp>
       <p:pic>
         <p:nvPicPr>
-          <p:cNvPr id="7" name="Picture 6">
-            <a:extLst>
-              <a:ext uri="{FF2B5EF4-FFF2-40B4-BE49-F238E27FC236}">
-                <a16:creationId xmlns:a16="http://schemas.microsoft.com/office/drawing/2014/main" id="{4239A254-410C-4F44-AE25-C86CEBDE89C5}"/>
+          <p:cNvPr id="3" name="Picture 2">
+            <a:extLst>
+              <a:ext uri="{FF2B5EF4-FFF2-40B4-BE49-F238E27FC236}">
+                <a16:creationId xmlns:a16="http://schemas.microsoft.com/office/drawing/2014/main" id="{6E323B14-2E02-4F62-ACDA-F96C8BF25075}"/>
               </a:ext>
             </a:extLst>
           </p:cNvPr>
@@ -3515,8 +3905,8 @@
         </p:blipFill>
         <p:spPr>
           <a:xfrm>
-            <a:off x="4682496" y="1974198"/>
-            <a:ext cx="6530906" cy="4054191"/>
+            <a:off x="5122515" y="0"/>
+            <a:ext cx="8079915" cy="6858000"/>
           </a:xfrm>
           <a:prstGeom prst="rect">
             <a:avLst/>
@@ -3558,6 +3948,428 @@
           <p:cNvPr id="2" name="Title 1">
             <a:extLst>
               <a:ext uri="{FF2B5EF4-FFF2-40B4-BE49-F238E27FC236}">
+                <a16:creationId xmlns:a16="http://schemas.microsoft.com/office/drawing/2014/main" id="{AB5091BA-2C0A-42B4-A516-6DDA6193DAFA}"/>
+              </a:ext>
+            </a:extLst>
+          </p:cNvPr>
+          <p:cNvSpPr>
+            <a:spLocks noGrp="1"/>
+          </p:cNvSpPr>
+          <p:nvPr>
+            <p:ph type="title"/>
+          </p:nvPr>
+        </p:nvSpPr>
+        <p:spPr>
+          <a:xfrm>
+            <a:off x="0" y="18255"/>
+            <a:ext cx="10515600" cy="1325563"/>
+          </a:xfrm>
+        </p:spPr>
+        <p:txBody>
+          <a:bodyPr/>
+          <a:lstStyle/>
+          <a:p>
+            <a:r>
+              <a:rPr lang="en-US" sz="3200" dirty="0"/>
+              <a:t>Qty per Island</a:t>
+            </a:r>
+          </a:p>
+        </p:txBody>
+      </p:sp>
+      <p:sp>
+        <p:nvSpPr>
+          <p:cNvPr id="3" name="Content Placeholder 2">
+            <a:extLst>
+              <a:ext uri="{FF2B5EF4-FFF2-40B4-BE49-F238E27FC236}">
+                <a16:creationId xmlns:a16="http://schemas.microsoft.com/office/drawing/2014/main" id="{866F7528-AC48-43B0-B6B6-2398E777CE16}"/>
+              </a:ext>
+            </a:extLst>
+          </p:cNvPr>
+          <p:cNvSpPr>
+            <a:spLocks noGrp="1"/>
+          </p:cNvSpPr>
+          <p:nvPr>
+            <p:ph idx="1"/>
+          </p:nvPr>
+        </p:nvSpPr>
+        <p:spPr>
+          <a:xfrm>
+            <a:off x="0" y="1253331"/>
+            <a:ext cx="10515600" cy="4351338"/>
+          </a:xfrm>
+        </p:spPr>
+        <p:txBody>
+          <a:bodyPr/>
+          <a:lstStyle/>
+          <a:p>
+            <a:r>
+              <a:rPr lang="en-US" dirty="0" err="1"/>
+              <a:t>Kaui</a:t>
+            </a:r>
+            <a:r>
+              <a:rPr lang="en-US" dirty="0"/>
+              <a:t> has fewest</a:t>
+            </a:r>
+          </a:p>
+          <a:p>
+            <a:r>
+              <a:rPr lang="en-US" dirty="0"/>
+              <a:t>Who has the great</a:t>
+            </a:r>
+          </a:p>
+          <a:p>
+            <a:pPr marL="0" indent="0">
+              <a:buNone/>
+            </a:pPr>
+            <a:r>
+              <a:rPr lang="en-US" dirty="0"/>
+              <a:t>hosts</a:t>
+            </a:r>
+          </a:p>
+        </p:txBody>
+      </p:sp>
+      <p:pic>
+        <p:nvPicPr>
+          <p:cNvPr id="4" name="Picture 3">
+            <a:extLst>
+              <a:ext uri="{FF2B5EF4-FFF2-40B4-BE49-F238E27FC236}">
+                <a16:creationId xmlns:a16="http://schemas.microsoft.com/office/drawing/2014/main" id="{7201A56B-39DD-48B3-A9FB-8FC5D258A104}"/>
+              </a:ext>
+            </a:extLst>
+          </p:cNvPr>
+          <p:cNvPicPr>
+            <a:picLocks noChangeAspect="1"/>
+          </p:cNvPicPr>
+          <p:nvPr/>
+        </p:nvPicPr>
+        <p:blipFill>
+          <a:blip r:embed="rId2"/>
+          <a:stretch>
+            <a:fillRect/>
+          </a:stretch>
+        </p:blipFill>
+        <p:spPr>
+          <a:xfrm>
+            <a:off x="4276436" y="0"/>
+            <a:ext cx="7702898" cy="6858000"/>
+          </a:xfrm>
+          <a:prstGeom prst="rect">
+            <a:avLst/>
+          </a:prstGeom>
+        </p:spPr>
+      </p:pic>
+    </p:spTree>
+    <p:extLst>
+      <p:ext uri="{BB962C8B-B14F-4D97-AF65-F5344CB8AC3E}">
+        <p14:creationId xmlns:p14="http://schemas.microsoft.com/office/powerpoint/2010/main" val="582309198"/>
+      </p:ext>
+    </p:extLst>
+  </p:cSld>
+  <p:clrMapOvr>
+    <a:masterClrMapping/>
+  </p:clrMapOvr>
+</p:sld>
+</file>
+
+<file path=ppt/slides/slide4.xml><?xml version="1.0" encoding="utf-8"?>
+<p:sld xmlns:a="http://schemas.openxmlformats.org/drawingml/2006/main" xmlns:r="http://schemas.openxmlformats.org/officeDocument/2006/relationships" xmlns:p="http://schemas.openxmlformats.org/presentationml/2006/main">
+  <p:cSld>
+    <p:spTree>
+      <p:nvGrpSpPr>
+        <p:cNvPr id="1" name=""/>
+        <p:cNvGrpSpPr/>
+        <p:nvPr/>
+      </p:nvGrpSpPr>
+      <p:grpSpPr>
+        <a:xfrm>
+          <a:off x="0" y="0"/>
+          <a:ext cx="0" cy="0"/>
+          <a:chOff x="0" y="0"/>
+          <a:chExt cx="0" cy="0"/>
+        </a:xfrm>
+      </p:grpSpPr>
+      <p:sp>
+        <p:nvSpPr>
+          <p:cNvPr id="2" name="Title 1">
+            <a:extLst>
+              <a:ext uri="{FF2B5EF4-FFF2-40B4-BE49-F238E27FC236}">
+                <a16:creationId xmlns:a16="http://schemas.microsoft.com/office/drawing/2014/main" id="{70D3ED9E-AA7E-4967-B6BB-18ED1AEA7801}"/>
+              </a:ext>
+            </a:extLst>
+          </p:cNvPr>
+          <p:cNvSpPr>
+            <a:spLocks noGrp="1"/>
+          </p:cNvSpPr>
+          <p:nvPr>
+            <p:ph type="title"/>
+          </p:nvPr>
+        </p:nvSpPr>
+        <p:spPr>
+          <a:xfrm>
+            <a:off x="0" y="18255"/>
+            <a:ext cx="10515600" cy="1325563"/>
+          </a:xfrm>
+        </p:spPr>
+        <p:txBody>
+          <a:bodyPr/>
+          <a:lstStyle/>
+          <a:p>
+            <a:r>
+              <a:rPr lang="en-US" sz="3200" dirty="0"/>
+              <a:t>Great</a:t>
+            </a:r>
+            <a:r>
+              <a:rPr lang="en-US" dirty="0"/>
+              <a:t> </a:t>
+            </a:r>
+            <a:r>
+              <a:rPr lang="en-US" sz="3200" dirty="0"/>
+              <a:t>Hosts</a:t>
+            </a:r>
+          </a:p>
+        </p:txBody>
+      </p:sp>
+      <p:sp>
+        <p:nvSpPr>
+          <p:cNvPr id="3" name="Content Placeholder 2">
+            <a:extLst>
+              <a:ext uri="{FF2B5EF4-FFF2-40B4-BE49-F238E27FC236}">
+                <a16:creationId xmlns:a16="http://schemas.microsoft.com/office/drawing/2014/main" id="{2B72380F-F88B-4843-9E7C-B5143F0FAF24}"/>
+              </a:ext>
+            </a:extLst>
+          </p:cNvPr>
+          <p:cNvSpPr>
+            <a:spLocks noGrp="1"/>
+          </p:cNvSpPr>
+          <p:nvPr>
+            <p:ph idx="1"/>
+          </p:nvPr>
+        </p:nvSpPr>
+        <p:spPr>
+          <a:xfrm>
+            <a:off x="0" y="1343818"/>
+            <a:ext cx="10515600" cy="4351338"/>
+          </a:xfrm>
+        </p:spPr>
+        <p:txBody>
+          <a:bodyPr/>
+          <a:lstStyle/>
+          <a:p>
+            <a:r>
+              <a:rPr lang="en-US" dirty="0"/>
+              <a:t>Hawaii is even</a:t>
+            </a:r>
+          </a:p>
+        </p:txBody>
+      </p:sp>
+      <p:pic>
+        <p:nvPicPr>
+          <p:cNvPr id="4" name="Picture 3">
+            <a:extLst>
+              <a:ext uri="{FF2B5EF4-FFF2-40B4-BE49-F238E27FC236}">
+                <a16:creationId xmlns:a16="http://schemas.microsoft.com/office/drawing/2014/main" id="{41E14E0E-8670-48E6-A738-0379FF63B736}"/>
+              </a:ext>
+            </a:extLst>
+          </p:cNvPr>
+          <p:cNvPicPr>
+            <a:picLocks noChangeAspect="1"/>
+          </p:cNvPicPr>
+          <p:nvPr/>
+        </p:nvPicPr>
+        <p:blipFill>
+          <a:blip r:embed="rId2"/>
+          <a:stretch>
+            <a:fillRect/>
+          </a:stretch>
+        </p:blipFill>
+        <p:spPr>
+          <a:xfrm>
+            <a:off x="3263515" y="18255"/>
+            <a:ext cx="8928485" cy="6858000"/>
+          </a:xfrm>
+          <a:prstGeom prst="rect">
+            <a:avLst/>
+          </a:prstGeom>
+        </p:spPr>
+      </p:pic>
+    </p:spTree>
+    <p:extLst>
+      <p:ext uri="{BB962C8B-B14F-4D97-AF65-F5344CB8AC3E}">
+        <p14:creationId xmlns:p14="http://schemas.microsoft.com/office/powerpoint/2010/main" val="3822126607"/>
+      </p:ext>
+    </p:extLst>
+  </p:cSld>
+  <p:clrMapOvr>
+    <a:masterClrMapping/>
+  </p:clrMapOvr>
+</p:sld>
+</file>
+
+<file path=ppt/slides/slide5.xml><?xml version="1.0" encoding="utf-8"?>
+<p:sld xmlns:a="http://schemas.openxmlformats.org/drawingml/2006/main" xmlns:r="http://schemas.openxmlformats.org/officeDocument/2006/relationships" xmlns:p="http://schemas.openxmlformats.org/presentationml/2006/main">
+  <p:cSld>
+    <p:spTree>
+      <p:nvGrpSpPr>
+        <p:cNvPr id="1" name=""/>
+        <p:cNvGrpSpPr/>
+        <p:nvPr/>
+      </p:nvGrpSpPr>
+      <p:grpSpPr>
+        <a:xfrm>
+          <a:off x="0" y="0"/>
+          <a:ext cx="0" cy="0"/>
+          <a:chOff x="0" y="0"/>
+          <a:chExt cx="0" cy="0"/>
+        </a:xfrm>
+      </p:grpSpPr>
+      <p:sp>
+        <p:nvSpPr>
+          <p:cNvPr id="2" name="Title 1">
+            <a:extLst>
+              <a:ext uri="{FF2B5EF4-FFF2-40B4-BE49-F238E27FC236}">
+                <a16:creationId xmlns:a16="http://schemas.microsoft.com/office/drawing/2014/main" id="{3411D87C-92E0-4300-80E8-EBD41AF06A59}"/>
+              </a:ext>
+            </a:extLst>
+          </p:cNvPr>
+          <p:cNvSpPr>
+            <a:spLocks noGrp="1"/>
+          </p:cNvSpPr>
+          <p:nvPr>
+            <p:ph type="title"/>
+          </p:nvPr>
+        </p:nvSpPr>
+        <p:spPr>
+          <a:xfrm>
+            <a:off x="0" y="18255"/>
+            <a:ext cx="10515600" cy="1325563"/>
+          </a:xfrm>
+        </p:spPr>
+        <p:txBody>
+          <a:bodyPr>
+            <a:normAutofit/>
+          </a:bodyPr>
+          <a:lstStyle/>
+          <a:p>
+            <a:r>
+              <a:rPr lang="en-US" sz="3200" dirty="0"/>
+              <a:t>Years of Ownership</a:t>
+            </a:r>
+          </a:p>
+        </p:txBody>
+      </p:sp>
+      <p:sp>
+        <p:nvSpPr>
+          <p:cNvPr id="3" name="Content Placeholder 2">
+            <a:extLst>
+              <a:ext uri="{FF2B5EF4-FFF2-40B4-BE49-F238E27FC236}">
+                <a16:creationId xmlns:a16="http://schemas.microsoft.com/office/drawing/2014/main" id="{DFD1B8FC-E202-42B1-9B3A-865D2895D4E0}"/>
+              </a:ext>
+            </a:extLst>
+          </p:cNvPr>
+          <p:cNvSpPr>
+            <a:spLocks noGrp="1"/>
+          </p:cNvSpPr>
+          <p:nvPr>
+            <p:ph idx="1"/>
+          </p:nvPr>
+        </p:nvSpPr>
+        <p:spPr>
+          <a:xfrm>
+            <a:off x="0" y="1253331"/>
+            <a:ext cx="10515600" cy="4351338"/>
+          </a:xfrm>
+        </p:spPr>
+        <p:txBody>
+          <a:bodyPr/>
+          <a:lstStyle/>
+          <a:p>
+            <a:r>
+              <a:rPr lang="en-US" dirty="0"/>
+              <a:t>Avg. 3.78</a:t>
+            </a:r>
+          </a:p>
+          <a:p>
+            <a:r>
+              <a:rPr lang="en-US" dirty="0"/>
+              <a:t>Considering all</a:t>
+            </a:r>
+          </a:p>
+          <a:p>
+            <a:pPr marL="0" indent="0">
+              <a:buNone/>
+            </a:pPr>
+            <a:r>
+              <a:rPr lang="en-US" dirty="0"/>
+              <a:t>islands</a:t>
+            </a:r>
+          </a:p>
+        </p:txBody>
+      </p:sp>
+      <p:pic>
+        <p:nvPicPr>
+          <p:cNvPr id="4" name="Picture 3">
+            <a:extLst>
+              <a:ext uri="{FF2B5EF4-FFF2-40B4-BE49-F238E27FC236}">
+                <a16:creationId xmlns:a16="http://schemas.microsoft.com/office/drawing/2014/main" id="{51ED6465-5EFE-4C8C-A151-5D39B37A5745}"/>
+              </a:ext>
+            </a:extLst>
+          </p:cNvPr>
+          <p:cNvPicPr>
+            <a:picLocks noChangeAspect="1"/>
+          </p:cNvPicPr>
+          <p:nvPr/>
+        </p:nvPicPr>
+        <p:blipFill>
+          <a:blip r:embed="rId2"/>
+          <a:stretch>
+            <a:fillRect/>
+          </a:stretch>
+        </p:blipFill>
+        <p:spPr>
+          <a:xfrm>
+            <a:off x="3325128" y="0"/>
+            <a:ext cx="8931527" cy="6858000"/>
+          </a:xfrm>
+          <a:prstGeom prst="rect">
+            <a:avLst/>
+          </a:prstGeom>
+        </p:spPr>
+      </p:pic>
+    </p:spTree>
+    <p:extLst>
+      <p:ext uri="{BB962C8B-B14F-4D97-AF65-F5344CB8AC3E}">
+        <p14:creationId xmlns:p14="http://schemas.microsoft.com/office/powerpoint/2010/main" val="59176197"/>
+      </p:ext>
+    </p:extLst>
+  </p:cSld>
+  <p:clrMapOvr>
+    <a:masterClrMapping/>
+  </p:clrMapOvr>
+</p:sld>
+</file>
+
+<file path=ppt/slides/slide6.xml><?xml version="1.0" encoding="utf-8"?>
+<p:sld xmlns:a="http://schemas.openxmlformats.org/drawingml/2006/main" xmlns:r="http://schemas.openxmlformats.org/officeDocument/2006/relationships" xmlns:p="http://schemas.openxmlformats.org/presentationml/2006/main">
+  <p:cSld>
+    <p:spTree>
+      <p:nvGrpSpPr>
+        <p:cNvPr id="1" name=""/>
+        <p:cNvGrpSpPr/>
+        <p:nvPr/>
+      </p:nvGrpSpPr>
+      <p:grpSpPr>
+        <a:xfrm>
+          <a:off x="0" y="0"/>
+          <a:ext cx="0" cy="0"/>
+          <a:chOff x="0" y="0"/>
+          <a:chExt cx="0" cy="0"/>
+        </a:xfrm>
+      </p:grpSpPr>
+      <p:sp>
+        <p:nvSpPr>
+          <p:cNvPr id="2" name="Title 1">
+            <a:extLst>
+              <a:ext uri="{FF2B5EF4-FFF2-40B4-BE49-F238E27FC236}">
                 <a16:creationId xmlns:a16="http://schemas.microsoft.com/office/drawing/2014/main" id="{C3EA4167-1CBE-44AF-9D6C-6CD5B2D3005E}"/>
               </a:ext>
             </a:extLst>
@@ -3640,6 +4452,172 @@
     <p:extLst>
       <p:ext uri="{BB962C8B-B14F-4D97-AF65-F5344CB8AC3E}">
         <p14:creationId xmlns:p14="http://schemas.microsoft.com/office/powerpoint/2010/main" val="1901684390"/>
+      </p:ext>
+    </p:extLst>
+  </p:cSld>
+  <p:clrMapOvr>
+    <a:masterClrMapping/>
+  </p:clrMapOvr>
+</p:sld>
+</file>
+
+<file path=ppt/slides/slide7.xml><?xml version="1.0" encoding="utf-8"?>
+<p:sld xmlns:a="http://schemas.openxmlformats.org/drawingml/2006/main" xmlns:r="http://schemas.openxmlformats.org/officeDocument/2006/relationships" xmlns:p="http://schemas.openxmlformats.org/presentationml/2006/main">
+  <p:cSld>
+    <p:spTree>
+      <p:nvGrpSpPr>
+        <p:cNvPr id="1" name=""/>
+        <p:cNvGrpSpPr/>
+        <p:nvPr/>
+      </p:nvGrpSpPr>
+      <p:grpSpPr>
+        <a:xfrm>
+          <a:off x="0" y="0"/>
+          <a:ext cx="0" cy="0"/>
+          <a:chOff x="0" y="0"/>
+          <a:chExt cx="0" cy="0"/>
+        </a:xfrm>
+      </p:grpSpPr>
+      <p:sp>
+        <p:nvSpPr>
+          <p:cNvPr id="2" name="Title 1">
+            <a:extLst>
+              <a:ext uri="{FF2B5EF4-FFF2-40B4-BE49-F238E27FC236}">
+                <a16:creationId xmlns:a16="http://schemas.microsoft.com/office/drawing/2014/main" id="{5DDC6DC2-6C9A-42D5-8C22-310FECA242D5}"/>
+              </a:ext>
+            </a:extLst>
+          </p:cNvPr>
+          <p:cNvSpPr>
+            <a:spLocks noGrp="1"/>
+          </p:cNvSpPr>
+          <p:nvPr>
+            <p:ph type="title"/>
+          </p:nvPr>
+        </p:nvSpPr>
+        <p:spPr/>
+        <p:txBody>
+          <a:bodyPr/>
+          <a:lstStyle/>
+          <a:p>
+            <a:r>
+              <a:rPr lang="en-US" dirty="0"/>
+              <a:t>Price</a:t>
+            </a:r>
+          </a:p>
+        </p:txBody>
+      </p:sp>
+      <p:sp>
+        <p:nvSpPr>
+          <p:cNvPr id="3" name="Content Placeholder 2">
+            <a:extLst>
+              <a:ext uri="{FF2B5EF4-FFF2-40B4-BE49-F238E27FC236}">
+                <a16:creationId xmlns:a16="http://schemas.microsoft.com/office/drawing/2014/main" id="{5E2ECB3A-B51E-418C-B505-9F28F138570E}"/>
+              </a:ext>
+            </a:extLst>
+          </p:cNvPr>
+          <p:cNvSpPr>
+            <a:spLocks noGrp="1"/>
+          </p:cNvSpPr>
+          <p:nvPr>
+            <p:ph idx="1"/>
+          </p:nvPr>
+        </p:nvSpPr>
+        <p:spPr/>
+        <p:txBody>
+          <a:bodyPr/>
+          <a:lstStyle/>
+          <a:p>
+            <a:endParaRPr lang="en-US"/>
+          </a:p>
+        </p:txBody>
+      </p:sp>
+    </p:spTree>
+    <p:extLst>
+      <p:ext uri="{BB962C8B-B14F-4D97-AF65-F5344CB8AC3E}">
+        <p14:creationId xmlns:p14="http://schemas.microsoft.com/office/powerpoint/2010/main" val="1753957574"/>
+      </p:ext>
+    </p:extLst>
+  </p:cSld>
+  <p:clrMapOvr>
+    <a:masterClrMapping/>
+  </p:clrMapOvr>
+</p:sld>
+</file>
+
+<file path=ppt/slides/slide8.xml><?xml version="1.0" encoding="utf-8"?>
+<p:sld xmlns:a="http://schemas.openxmlformats.org/drawingml/2006/main" xmlns:r="http://schemas.openxmlformats.org/officeDocument/2006/relationships" xmlns:p="http://schemas.openxmlformats.org/presentationml/2006/main">
+  <p:cSld>
+    <p:spTree>
+      <p:nvGrpSpPr>
+        <p:cNvPr id="1" name=""/>
+        <p:cNvGrpSpPr/>
+        <p:nvPr/>
+      </p:nvGrpSpPr>
+      <p:grpSpPr>
+        <a:xfrm>
+          <a:off x="0" y="0"/>
+          <a:ext cx="0" cy="0"/>
+          <a:chOff x="0" y="0"/>
+          <a:chExt cx="0" cy="0"/>
+        </a:xfrm>
+      </p:grpSpPr>
+      <p:sp>
+        <p:nvSpPr>
+          <p:cNvPr id="2" name="Title 1">
+            <a:extLst>
+              <a:ext uri="{FF2B5EF4-FFF2-40B4-BE49-F238E27FC236}">
+                <a16:creationId xmlns:a16="http://schemas.microsoft.com/office/drawing/2014/main" id="{5509E55B-6FAB-43A5-9632-B80402F0CCF9}"/>
+              </a:ext>
+            </a:extLst>
+          </p:cNvPr>
+          <p:cNvSpPr>
+            <a:spLocks noGrp="1"/>
+          </p:cNvSpPr>
+          <p:nvPr>
+            <p:ph type="title"/>
+          </p:nvPr>
+        </p:nvSpPr>
+        <p:spPr/>
+        <p:txBody>
+          <a:bodyPr/>
+          <a:lstStyle/>
+          <a:p>
+            <a:r>
+              <a:rPr lang="en-US" dirty="0"/>
+              <a:t>Break it down by Hawaii</a:t>
+            </a:r>
+          </a:p>
+        </p:txBody>
+      </p:sp>
+      <p:sp>
+        <p:nvSpPr>
+          <p:cNvPr id="3" name="Content Placeholder 2">
+            <a:extLst>
+              <a:ext uri="{FF2B5EF4-FFF2-40B4-BE49-F238E27FC236}">
+                <a16:creationId xmlns:a16="http://schemas.microsoft.com/office/drawing/2014/main" id="{337D390B-7110-48DC-989D-299E8A35E4FF}"/>
+              </a:ext>
+            </a:extLst>
+          </p:cNvPr>
+          <p:cNvSpPr>
+            <a:spLocks noGrp="1"/>
+          </p:cNvSpPr>
+          <p:nvPr>
+            <p:ph idx="1"/>
+          </p:nvPr>
+        </p:nvSpPr>
+        <p:spPr/>
+        <p:txBody>
+          <a:bodyPr/>
+          <a:lstStyle/>
+          <a:p>
+            <a:endParaRPr lang="en-US"/>
+          </a:p>
+        </p:txBody>
+      </p:sp>
+    </p:spTree>
+    <p:extLst>
+      <p:ext uri="{BB962C8B-B14F-4D97-AF65-F5344CB8AC3E}">
+        <p14:creationId xmlns:p14="http://schemas.microsoft.com/office/powerpoint/2010/main" val="2505496381"/>
       </p:ext>
     </p:extLst>
   </p:cSld>

--- a/Group 1 - AirBnB Presentation.pptx
+++ b/Group 1 - AirBnB Presentation.pptx
@@ -6,13 +6,19 @@
   </p:sldMasterIdLst>
   <p:sldIdLst>
     <p:sldId id="256" r:id="rId2"/>
-    <p:sldId id="257" r:id="rId3"/>
-    <p:sldId id="259" r:id="rId4"/>
-    <p:sldId id="261" r:id="rId5"/>
-    <p:sldId id="260" r:id="rId6"/>
-    <p:sldId id="258" r:id="rId7"/>
-    <p:sldId id="262" r:id="rId8"/>
-    <p:sldId id="263" r:id="rId9"/>
+    <p:sldId id="264" r:id="rId3"/>
+    <p:sldId id="265" r:id="rId4"/>
+    <p:sldId id="257" r:id="rId5"/>
+    <p:sldId id="259" r:id="rId6"/>
+    <p:sldId id="267" r:id="rId7"/>
+    <p:sldId id="261" r:id="rId8"/>
+    <p:sldId id="266" r:id="rId9"/>
+    <p:sldId id="260" r:id="rId10"/>
+    <p:sldId id="268" r:id="rId11"/>
+    <p:sldId id="258" r:id="rId12"/>
+    <p:sldId id="262" r:id="rId13"/>
+    <p:sldId id="263" r:id="rId14"/>
+    <p:sldId id="269" r:id="rId15"/>
   </p:sldIdLst>
   <p:sldSz cx="12192000" cy="6858000"/>
   <p:notesSz cx="6858000" cy="9144000"/>
@@ -3769,6 +3775,451 @@
 </p:sld>
 </file>
 
+<file path=ppt/slides/slide10.xml><?xml version="1.0" encoding="utf-8"?>
+<p:sld xmlns:a="http://schemas.openxmlformats.org/drawingml/2006/main" xmlns:r="http://schemas.openxmlformats.org/officeDocument/2006/relationships" xmlns:p="http://schemas.openxmlformats.org/presentationml/2006/main">
+  <p:cSld>
+    <p:spTree>
+      <p:nvGrpSpPr>
+        <p:cNvPr id="1" name=""/>
+        <p:cNvGrpSpPr/>
+        <p:nvPr/>
+      </p:nvGrpSpPr>
+      <p:grpSpPr>
+        <a:xfrm>
+          <a:off x="0" y="0"/>
+          <a:ext cx="0" cy="0"/>
+          <a:chOff x="0" y="0"/>
+          <a:chExt cx="0" cy="0"/>
+        </a:xfrm>
+      </p:grpSpPr>
+      <p:sp>
+        <p:nvSpPr>
+          <p:cNvPr id="2" name="Title 1">
+            <a:extLst>
+              <a:ext uri="{FF2B5EF4-FFF2-40B4-BE49-F238E27FC236}">
+                <a16:creationId xmlns:a16="http://schemas.microsoft.com/office/drawing/2014/main" id="{6DA76F58-5E31-4EA7-A222-7460E92EC2DD}"/>
+              </a:ext>
+            </a:extLst>
+          </p:cNvPr>
+          <p:cNvSpPr>
+            <a:spLocks noGrp="1"/>
+          </p:cNvSpPr>
+          <p:nvPr>
+            <p:ph type="title"/>
+          </p:nvPr>
+        </p:nvSpPr>
+        <p:spPr/>
+        <p:txBody>
+          <a:bodyPr/>
+          <a:lstStyle/>
+          <a:p>
+            <a:endParaRPr lang="en-US"/>
+          </a:p>
+        </p:txBody>
+      </p:sp>
+      <p:sp>
+        <p:nvSpPr>
+          <p:cNvPr id="3" name="Content Placeholder 2">
+            <a:extLst>
+              <a:ext uri="{FF2B5EF4-FFF2-40B4-BE49-F238E27FC236}">
+                <a16:creationId xmlns:a16="http://schemas.microsoft.com/office/drawing/2014/main" id="{B08712C6-D972-4262-AF48-110248EB00CB}"/>
+              </a:ext>
+            </a:extLst>
+          </p:cNvPr>
+          <p:cNvSpPr>
+            <a:spLocks noGrp="1"/>
+          </p:cNvSpPr>
+          <p:nvPr>
+            <p:ph idx="1"/>
+          </p:nvPr>
+        </p:nvSpPr>
+        <p:spPr/>
+        <p:txBody>
+          <a:bodyPr/>
+          <a:lstStyle/>
+          <a:p>
+            <a:r>
+              <a:rPr lang="en-US" dirty="0"/>
+              <a:t>I think we need a Bar chart for ownership per island</a:t>
+            </a:r>
+          </a:p>
+        </p:txBody>
+      </p:sp>
+    </p:spTree>
+    <p:extLst>
+      <p:ext uri="{BB962C8B-B14F-4D97-AF65-F5344CB8AC3E}">
+        <p14:creationId xmlns:p14="http://schemas.microsoft.com/office/powerpoint/2010/main" val="35420888"/>
+      </p:ext>
+    </p:extLst>
+  </p:cSld>
+  <p:clrMapOvr>
+    <a:masterClrMapping/>
+  </p:clrMapOvr>
+</p:sld>
+</file>
+
+<file path=ppt/slides/slide11.xml><?xml version="1.0" encoding="utf-8"?>
+<p:sld xmlns:a="http://schemas.openxmlformats.org/drawingml/2006/main" xmlns:r="http://schemas.openxmlformats.org/officeDocument/2006/relationships" xmlns:p="http://schemas.openxmlformats.org/presentationml/2006/main">
+  <p:cSld>
+    <p:spTree>
+      <p:nvGrpSpPr>
+        <p:cNvPr id="1" name=""/>
+        <p:cNvGrpSpPr/>
+        <p:nvPr/>
+      </p:nvGrpSpPr>
+      <p:grpSpPr>
+        <a:xfrm>
+          <a:off x="0" y="0"/>
+          <a:ext cx="0" cy="0"/>
+          <a:chOff x="0" y="0"/>
+          <a:chExt cx="0" cy="0"/>
+        </a:xfrm>
+      </p:grpSpPr>
+      <p:sp>
+        <p:nvSpPr>
+          <p:cNvPr id="2" name="Title 1">
+            <a:extLst>
+              <a:ext uri="{FF2B5EF4-FFF2-40B4-BE49-F238E27FC236}">
+                <a16:creationId xmlns:a16="http://schemas.microsoft.com/office/drawing/2014/main" id="{C3EA4167-1CBE-44AF-9D6C-6CD5B2D3005E}"/>
+              </a:ext>
+            </a:extLst>
+          </p:cNvPr>
+          <p:cNvSpPr>
+            <a:spLocks noGrp="1"/>
+          </p:cNvSpPr>
+          <p:nvPr>
+            <p:ph type="title"/>
+          </p:nvPr>
+        </p:nvSpPr>
+        <p:spPr/>
+        <p:txBody>
+          <a:bodyPr/>
+          <a:lstStyle/>
+          <a:p>
+            <a:r>
+              <a:rPr lang="en-US" dirty="0"/>
+              <a:t>Years of Ownership</a:t>
+            </a:r>
+          </a:p>
+        </p:txBody>
+      </p:sp>
+      <p:sp>
+        <p:nvSpPr>
+          <p:cNvPr id="3" name="Content Placeholder 2">
+            <a:extLst>
+              <a:ext uri="{FF2B5EF4-FFF2-40B4-BE49-F238E27FC236}">
+                <a16:creationId xmlns:a16="http://schemas.microsoft.com/office/drawing/2014/main" id="{AD71B832-78D8-4E52-843D-DFE9EADAD926}"/>
+              </a:ext>
+            </a:extLst>
+          </p:cNvPr>
+          <p:cNvSpPr>
+            <a:spLocks noGrp="1"/>
+          </p:cNvSpPr>
+          <p:nvPr>
+            <p:ph idx="1"/>
+          </p:nvPr>
+        </p:nvSpPr>
+        <p:spPr/>
+        <p:txBody>
+          <a:bodyPr/>
+          <a:lstStyle/>
+          <a:p>
+            <a:endParaRPr lang="en-US"/>
+          </a:p>
+        </p:txBody>
+      </p:sp>
+      <p:pic>
+        <p:nvPicPr>
+          <p:cNvPr id="4" name="Picture 3">
+            <a:extLst>
+              <a:ext uri="{FF2B5EF4-FFF2-40B4-BE49-F238E27FC236}">
+                <a16:creationId xmlns:a16="http://schemas.microsoft.com/office/drawing/2014/main" id="{C2529427-6888-4656-9809-AF85963BF30F}"/>
+              </a:ext>
+            </a:extLst>
+          </p:cNvPr>
+          <p:cNvPicPr>
+            <a:picLocks noChangeAspect="1"/>
+          </p:cNvPicPr>
+          <p:nvPr/>
+        </p:nvPicPr>
+        <p:blipFill>
+          <a:blip r:embed="rId2"/>
+          <a:stretch>
+            <a:fillRect/>
+          </a:stretch>
+        </p:blipFill>
+        <p:spPr>
+          <a:xfrm>
+            <a:off x="4853377" y="1989439"/>
+            <a:ext cx="6500423" cy="4023709"/>
+          </a:xfrm>
+          <a:prstGeom prst="rect">
+            <a:avLst/>
+          </a:prstGeom>
+        </p:spPr>
+      </p:pic>
+    </p:spTree>
+    <p:extLst>
+      <p:ext uri="{BB962C8B-B14F-4D97-AF65-F5344CB8AC3E}">
+        <p14:creationId xmlns:p14="http://schemas.microsoft.com/office/powerpoint/2010/main" val="1901684390"/>
+      </p:ext>
+    </p:extLst>
+  </p:cSld>
+  <p:clrMapOvr>
+    <a:masterClrMapping/>
+  </p:clrMapOvr>
+</p:sld>
+</file>
+
+<file path=ppt/slides/slide12.xml><?xml version="1.0" encoding="utf-8"?>
+<p:sld xmlns:a="http://schemas.openxmlformats.org/drawingml/2006/main" xmlns:r="http://schemas.openxmlformats.org/officeDocument/2006/relationships" xmlns:p="http://schemas.openxmlformats.org/presentationml/2006/main">
+  <p:cSld>
+    <p:spTree>
+      <p:nvGrpSpPr>
+        <p:cNvPr id="1" name=""/>
+        <p:cNvGrpSpPr/>
+        <p:nvPr/>
+      </p:nvGrpSpPr>
+      <p:grpSpPr>
+        <a:xfrm>
+          <a:off x="0" y="0"/>
+          <a:ext cx="0" cy="0"/>
+          <a:chOff x="0" y="0"/>
+          <a:chExt cx="0" cy="0"/>
+        </a:xfrm>
+      </p:grpSpPr>
+      <p:sp>
+        <p:nvSpPr>
+          <p:cNvPr id="2" name="Title 1">
+            <a:extLst>
+              <a:ext uri="{FF2B5EF4-FFF2-40B4-BE49-F238E27FC236}">
+                <a16:creationId xmlns:a16="http://schemas.microsoft.com/office/drawing/2014/main" id="{5DDC6DC2-6C9A-42D5-8C22-310FECA242D5}"/>
+              </a:ext>
+            </a:extLst>
+          </p:cNvPr>
+          <p:cNvSpPr>
+            <a:spLocks noGrp="1"/>
+          </p:cNvSpPr>
+          <p:nvPr>
+            <p:ph type="title"/>
+          </p:nvPr>
+        </p:nvSpPr>
+        <p:spPr/>
+        <p:txBody>
+          <a:bodyPr/>
+          <a:lstStyle/>
+          <a:p>
+            <a:r>
+              <a:rPr lang="en-US" dirty="0"/>
+              <a:t>Price</a:t>
+            </a:r>
+          </a:p>
+        </p:txBody>
+      </p:sp>
+      <p:sp>
+        <p:nvSpPr>
+          <p:cNvPr id="3" name="Content Placeholder 2">
+            <a:extLst>
+              <a:ext uri="{FF2B5EF4-FFF2-40B4-BE49-F238E27FC236}">
+                <a16:creationId xmlns:a16="http://schemas.microsoft.com/office/drawing/2014/main" id="{5E2ECB3A-B51E-418C-B505-9F28F138570E}"/>
+              </a:ext>
+            </a:extLst>
+          </p:cNvPr>
+          <p:cNvSpPr>
+            <a:spLocks noGrp="1"/>
+          </p:cNvSpPr>
+          <p:nvPr>
+            <p:ph idx="1"/>
+          </p:nvPr>
+        </p:nvSpPr>
+        <p:spPr/>
+        <p:txBody>
+          <a:bodyPr/>
+          <a:lstStyle/>
+          <a:p>
+            <a:endParaRPr lang="en-US"/>
+          </a:p>
+        </p:txBody>
+      </p:sp>
+    </p:spTree>
+    <p:extLst>
+      <p:ext uri="{BB962C8B-B14F-4D97-AF65-F5344CB8AC3E}">
+        <p14:creationId xmlns:p14="http://schemas.microsoft.com/office/powerpoint/2010/main" val="1753957574"/>
+      </p:ext>
+    </p:extLst>
+  </p:cSld>
+  <p:clrMapOvr>
+    <a:masterClrMapping/>
+  </p:clrMapOvr>
+</p:sld>
+</file>
+
+<file path=ppt/slides/slide13.xml><?xml version="1.0" encoding="utf-8"?>
+<p:sld xmlns:a="http://schemas.openxmlformats.org/drawingml/2006/main" xmlns:r="http://schemas.openxmlformats.org/officeDocument/2006/relationships" xmlns:p="http://schemas.openxmlformats.org/presentationml/2006/main">
+  <p:cSld>
+    <p:spTree>
+      <p:nvGrpSpPr>
+        <p:cNvPr id="1" name=""/>
+        <p:cNvGrpSpPr/>
+        <p:nvPr/>
+      </p:nvGrpSpPr>
+      <p:grpSpPr>
+        <a:xfrm>
+          <a:off x="0" y="0"/>
+          <a:ext cx="0" cy="0"/>
+          <a:chOff x="0" y="0"/>
+          <a:chExt cx="0" cy="0"/>
+        </a:xfrm>
+      </p:grpSpPr>
+      <p:sp>
+        <p:nvSpPr>
+          <p:cNvPr id="2" name="Title 1">
+            <a:extLst>
+              <a:ext uri="{FF2B5EF4-FFF2-40B4-BE49-F238E27FC236}">
+                <a16:creationId xmlns:a16="http://schemas.microsoft.com/office/drawing/2014/main" id="{5509E55B-6FAB-43A5-9632-B80402F0CCF9}"/>
+              </a:ext>
+            </a:extLst>
+          </p:cNvPr>
+          <p:cNvSpPr>
+            <a:spLocks noGrp="1"/>
+          </p:cNvSpPr>
+          <p:nvPr>
+            <p:ph type="title"/>
+          </p:nvPr>
+        </p:nvSpPr>
+        <p:spPr/>
+        <p:txBody>
+          <a:bodyPr/>
+          <a:lstStyle/>
+          <a:p>
+            <a:r>
+              <a:rPr lang="en-US" dirty="0"/>
+              <a:t>Break it down by Hawaii</a:t>
+            </a:r>
+          </a:p>
+        </p:txBody>
+      </p:sp>
+      <p:sp>
+        <p:nvSpPr>
+          <p:cNvPr id="3" name="Content Placeholder 2">
+            <a:extLst>
+              <a:ext uri="{FF2B5EF4-FFF2-40B4-BE49-F238E27FC236}">
+                <a16:creationId xmlns:a16="http://schemas.microsoft.com/office/drawing/2014/main" id="{337D390B-7110-48DC-989D-299E8A35E4FF}"/>
+              </a:ext>
+            </a:extLst>
+          </p:cNvPr>
+          <p:cNvSpPr>
+            <a:spLocks noGrp="1"/>
+          </p:cNvSpPr>
+          <p:nvPr>
+            <p:ph idx="1"/>
+          </p:nvPr>
+        </p:nvSpPr>
+        <p:spPr/>
+        <p:txBody>
+          <a:bodyPr/>
+          <a:lstStyle/>
+          <a:p>
+            <a:endParaRPr lang="en-US"/>
+          </a:p>
+        </p:txBody>
+      </p:sp>
+    </p:spTree>
+    <p:extLst>
+      <p:ext uri="{BB962C8B-B14F-4D97-AF65-F5344CB8AC3E}">
+        <p14:creationId xmlns:p14="http://schemas.microsoft.com/office/powerpoint/2010/main" val="2505496381"/>
+      </p:ext>
+    </p:extLst>
+  </p:cSld>
+  <p:clrMapOvr>
+    <a:masterClrMapping/>
+  </p:clrMapOvr>
+</p:sld>
+</file>
+
+<file path=ppt/slides/slide14.xml><?xml version="1.0" encoding="utf-8"?>
+<p:sld xmlns:a="http://schemas.openxmlformats.org/drawingml/2006/main" xmlns:r="http://schemas.openxmlformats.org/officeDocument/2006/relationships" xmlns:p="http://schemas.openxmlformats.org/presentationml/2006/main">
+  <p:cSld>
+    <p:spTree>
+      <p:nvGrpSpPr>
+        <p:cNvPr id="1" name=""/>
+        <p:cNvGrpSpPr/>
+        <p:nvPr/>
+      </p:nvGrpSpPr>
+      <p:grpSpPr>
+        <a:xfrm>
+          <a:off x="0" y="0"/>
+          <a:ext cx="0" cy="0"/>
+          <a:chOff x="0" y="0"/>
+          <a:chExt cx="0" cy="0"/>
+        </a:xfrm>
+      </p:grpSpPr>
+      <p:sp>
+        <p:nvSpPr>
+          <p:cNvPr id="2" name="Title 1">
+            <a:extLst>
+              <a:ext uri="{FF2B5EF4-FFF2-40B4-BE49-F238E27FC236}">
+                <a16:creationId xmlns:a16="http://schemas.microsoft.com/office/drawing/2014/main" id="{8E309FC3-DC57-4BB1-A243-16388C02AFCB}"/>
+              </a:ext>
+            </a:extLst>
+          </p:cNvPr>
+          <p:cNvSpPr>
+            <a:spLocks noGrp="1"/>
+          </p:cNvSpPr>
+          <p:nvPr>
+            <p:ph type="title"/>
+          </p:nvPr>
+        </p:nvSpPr>
+        <p:spPr/>
+        <p:txBody>
+          <a:bodyPr/>
+          <a:lstStyle/>
+          <a:p>
+            <a:endParaRPr lang="en-US"/>
+          </a:p>
+        </p:txBody>
+      </p:sp>
+      <p:sp>
+        <p:nvSpPr>
+          <p:cNvPr id="3" name="Content Placeholder 2">
+            <a:extLst>
+              <a:ext uri="{FF2B5EF4-FFF2-40B4-BE49-F238E27FC236}">
+                <a16:creationId xmlns:a16="http://schemas.microsoft.com/office/drawing/2014/main" id="{FC43C30F-9ADA-40BC-A517-7B4E9399FEAB}"/>
+              </a:ext>
+            </a:extLst>
+          </p:cNvPr>
+          <p:cNvSpPr>
+            <a:spLocks noGrp="1"/>
+          </p:cNvSpPr>
+          <p:nvPr>
+            <p:ph idx="1"/>
+          </p:nvPr>
+        </p:nvSpPr>
+        <p:spPr/>
+        <p:txBody>
+          <a:bodyPr/>
+          <a:lstStyle/>
+          <a:p>
+            <a:r>
+              <a:rPr lang="en-US" dirty="0"/>
+              <a:t>Break it down by Hawaii by east/west</a:t>
+            </a:r>
+          </a:p>
+        </p:txBody>
+      </p:sp>
+    </p:spTree>
+    <p:extLst>
+      <p:ext uri="{BB962C8B-B14F-4D97-AF65-F5344CB8AC3E}">
+        <p14:creationId xmlns:p14="http://schemas.microsoft.com/office/powerpoint/2010/main" val="1260982439"/>
+      </p:ext>
+    </p:extLst>
+  </p:cSld>
+  <p:clrMapOvr>
+    <a:masterClrMapping/>
+  </p:clrMapOvr>
+</p:sld>
+</file>
+
 <file path=ppt/slides/slide2.xml><?xml version="1.0" encoding="utf-8"?>
 <p:sld xmlns:a="http://schemas.openxmlformats.org/drawingml/2006/main" xmlns:r="http://schemas.openxmlformats.org/officeDocument/2006/relationships" xmlns:p="http://schemas.openxmlformats.org/presentationml/2006/main">
   <p:cSld>
@@ -3791,6 +4242,237 @@
           <p:cNvPr id="2" name="Title 1">
             <a:extLst>
               <a:ext uri="{FF2B5EF4-FFF2-40B4-BE49-F238E27FC236}">
+                <a16:creationId xmlns:a16="http://schemas.microsoft.com/office/drawing/2014/main" id="{4FEDA89E-0C74-4ACA-8A98-D35C2C9C4808}"/>
+              </a:ext>
+            </a:extLst>
+          </p:cNvPr>
+          <p:cNvSpPr>
+            <a:spLocks noGrp="1"/>
+          </p:cNvSpPr>
+          <p:nvPr>
+            <p:ph type="title"/>
+          </p:nvPr>
+        </p:nvSpPr>
+        <p:spPr/>
+        <p:txBody>
+          <a:bodyPr/>
+          <a:lstStyle/>
+          <a:p>
+            <a:r>
+              <a:rPr lang="en-US" dirty="0">
+                <a:highlight>
+                  <a:srgbClr val="FFFF00"/>
+                </a:highlight>
+              </a:rPr>
+              <a:t>Alright, Alright, Alright</a:t>
+            </a:r>
+          </a:p>
+        </p:txBody>
+      </p:sp>
+      <p:sp>
+        <p:nvSpPr>
+          <p:cNvPr id="3" name="Content Placeholder 2">
+            <a:extLst>
+              <a:ext uri="{FF2B5EF4-FFF2-40B4-BE49-F238E27FC236}">
+                <a16:creationId xmlns:a16="http://schemas.microsoft.com/office/drawing/2014/main" id="{578B38FF-EE0C-4297-921D-63358497E73F}"/>
+              </a:ext>
+            </a:extLst>
+          </p:cNvPr>
+          <p:cNvSpPr>
+            <a:spLocks noGrp="1"/>
+          </p:cNvSpPr>
+          <p:nvPr>
+            <p:ph idx="1"/>
+          </p:nvPr>
+        </p:nvSpPr>
+        <p:spPr/>
+        <p:txBody>
+          <a:bodyPr/>
+          <a:lstStyle/>
+          <a:p>
+            <a:r>
+              <a:rPr lang="en-US" dirty="0"/>
+              <a:t>Ok, so you want to </a:t>
+            </a:r>
+            <a:r>
+              <a:rPr lang="en-US" dirty="0" err="1"/>
+              <a:t>goto</a:t>
+            </a:r>
+            <a:r>
+              <a:rPr lang="en-US" dirty="0"/>
+              <a:t> the Hawaiian Islands</a:t>
+            </a:r>
+          </a:p>
+          <a:p>
+            <a:r>
+              <a:rPr lang="en-US" dirty="0"/>
+              <a:t>But where should you stay</a:t>
+            </a:r>
+          </a:p>
+          <a:p>
+            <a:r>
+              <a:rPr lang="en-US" dirty="0"/>
+              <a:t>Hotel…nah</a:t>
+            </a:r>
+          </a:p>
+          <a:p>
+            <a:r>
+              <a:rPr lang="en-US" dirty="0"/>
+              <a:t>How about an </a:t>
+            </a:r>
+            <a:r>
+              <a:rPr lang="en-US" dirty="0" err="1"/>
+              <a:t>AirBnB</a:t>
+            </a:r>
+            <a:endParaRPr lang="en-US" dirty="0"/>
+          </a:p>
+        </p:txBody>
+      </p:sp>
+    </p:spTree>
+    <p:extLst>
+      <p:ext uri="{BB962C8B-B14F-4D97-AF65-F5344CB8AC3E}">
+        <p14:creationId xmlns:p14="http://schemas.microsoft.com/office/powerpoint/2010/main" val="3060215942"/>
+      </p:ext>
+    </p:extLst>
+  </p:cSld>
+  <p:clrMapOvr>
+    <a:masterClrMapping/>
+  </p:clrMapOvr>
+</p:sld>
+</file>
+
+<file path=ppt/slides/slide3.xml><?xml version="1.0" encoding="utf-8"?>
+<p:sld xmlns:a="http://schemas.openxmlformats.org/drawingml/2006/main" xmlns:r="http://schemas.openxmlformats.org/officeDocument/2006/relationships" xmlns:p="http://schemas.openxmlformats.org/presentationml/2006/main">
+  <p:cSld>
+    <p:spTree>
+      <p:nvGrpSpPr>
+        <p:cNvPr id="1" name=""/>
+        <p:cNvGrpSpPr/>
+        <p:nvPr/>
+      </p:nvGrpSpPr>
+      <p:grpSpPr>
+        <a:xfrm>
+          <a:off x="0" y="0"/>
+          <a:ext cx="0" cy="0"/>
+          <a:chOff x="0" y="0"/>
+          <a:chExt cx="0" cy="0"/>
+        </a:xfrm>
+      </p:grpSpPr>
+      <p:sp>
+        <p:nvSpPr>
+          <p:cNvPr id="2" name="Title 1">
+            <a:extLst>
+              <a:ext uri="{FF2B5EF4-FFF2-40B4-BE49-F238E27FC236}">
+                <a16:creationId xmlns:a16="http://schemas.microsoft.com/office/drawing/2014/main" id="{92C26F2B-7AC6-4A73-B33E-57975E34B1A6}"/>
+              </a:ext>
+            </a:extLst>
+          </p:cNvPr>
+          <p:cNvSpPr>
+            <a:spLocks noGrp="1"/>
+          </p:cNvSpPr>
+          <p:nvPr>
+            <p:ph type="title"/>
+          </p:nvPr>
+        </p:nvSpPr>
+        <p:spPr/>
+        <p:txBody>
+          <a:bodyPr/>
+          <a:lstStyle/>
+          <a:p>
+            <a:r>
+              <a:rPr lang="en-US" dirty="0">
+                <a:highlight>
+                  <a:srgbClr val="FFFF00"/>
+                </a:highlight>
+              </a:rPr>
+              <a:t>Question: What do the islands have to offer</a:t>
+            </a:r>
+          </a:p>
+        </p:txBody>
+      </p:sp>
+      <p:sp>
+        <p:nvSpPr>
+          <p:cNvPr id="3" name="Content Placeholder 2">
+            <a:extLst>
+              <a:ext uri="{FF2B5EF4-FFF2-40B4-BE49-F238E27FC236}">
+                <a16:creationId xmlns:a16="http://schemas.microsoft.com/office/drawing/2014/main" id="{AA66462A-0519-4066-AB84-0251A99FD81C}"/>
+              </a:ext>
+            </a:extLst>
+          </p:cNvPr>
+          <p:cNvSpPr>
+            <a:spLocks noGrp="1"/>
+          </p:cNvSpPr>
+          <p:nvPr>
+            <p:ph idx="1"/>
+          </p:nvPr>
+        </p:nvSpPr>
+        <p:spPr/>
+        <p:txBody>
+          <a:bodyPr/>
+          <a:lstStyle/>
+          <a:p>
+            <a:r>
+              <a:rPr lang="en-US" dirty="0"/>
+              <a:t>First Question, </a:t>
+            </a:r>
+          </a:p>
+          <a:p>
+            <a:r>
+              <a:rPr lang="en-US" dirty="0"/>
+              <a:t>How many </a:t>
+            </a:r>
+            <a:r>
+              <a:rPr lang="en-US" dirty="0" err="1"/>
+              <a:t>AirBnB’s</a:t>
+            </a:r>
+            <a:r>
+              <a:rPr lang="en-US" dirty="0"/>
+              <a:t> are there on  the islands</a:t>
+            </a:r>
+          </a:p>
+          <a:p>
+            <a:r>
+              <a:rPr lang="en-US" dirty="0"/>
+              <a:t>Well lets look</a:t>
+            </a:r>
+          </a:p>
+        </p:txBody>
+      </p:sp>
+    </p:spTree>
+    <p:extLst>
+      <p:ext uri="{BB962C8B-B14F-4D97-AF65-F5344CB8AC3E}">
+        <p14:creationId xmlns:p14="http://schemas.microsoft.com/office/powerpoint/2010/main" val="2380564933"/>
+      </p:ext>
+    </p:extLst>
+  </p:cSld>
+  <p:clrMapOvr>
+    <a:masterClrMapping/>
+  </p:clrMapOvr>
+</p:sld>
+</file>
+
+<file path=ppt/slides/slide4.xml><?xml version="1.0" encoding="utf-8"?>
+<p:sld xmlns:a="http://schemas.openxmlformats.org/drawingml/2006/main" xmlns:r="http://schemas.openxmlformats.org/officeDocument/2006/relationships" xmlns:p="http://schemas.openxmlformats.org/presentationml/2006/main">
+  <p:cSld>
+    <p:spTree>
+      <p:nvGrpSpPr>
+        <p:cNvPr id="1" name=""/>
+        <p:cNvGrpSpPr/>
+        <p:nvPr/>
+      </p:nvGrpSpPr>
+      <p:grpSpPr>
+        <a:xfrm>
+          <a:off x="0" y="0"/>
+          <a:ext cx="0" cy="0"/>
+          <a:chOff x="0" y="0"/>
+          <a:chExt cx="0" cy="0"/>
+        </a:xfrm>
+      </p:grpSpPr>
+      <p:sp>
+        <p:nvSpPr>
+          <p:cNvPr id="2" name="Title 1">
+            <a:extLst>
+              <a:ext uri="{FF2B5EF4-FFF2-40B4-BE49-F238E27FC236}">
                 <a16:creationId xmlns:a16="http://schemas.microsoft.com/office/drawing/2014/main" id="{3D5D0A01-EAE2-49D4-AEA9-D81BF11AE5C9}"/>
               </a:ext>
             </a:extLst>
@@ -3813,7 +4495,11 @@
           <a:lstStyle/>
           <a:p>
             <a:r>
-              <a:rPr lang="en-US" sz="3200" dirty="0"/>
+              <a:rPr lang="en-US" sz="3200" dirty="0">
+                <a:highlight>
+                  <a:srgbClr val="FFFF00"/>
+                </a:highlight>
+              </a:rPr>
               <a:t>Overview</a:t>
             </a:r>
           </a:p>
@@ -3864,21 +4550,24 @@
           <a:p>
             <a:r>
               <a:rPr lang="en-US" dirty="0"/>
-              <a:t>4 Islands</a:t>
+              <a:t>On the 4 Islands…</a:t>
             </a:r>
           </a:p>
           <a:p>
             <a:r>
               <a:rPr lang="en-US" dirty="0"/>
-              <a:t>17204 </a:t>
+              <a:t>17,204 </a:t>
             </a:r>
             <a:r>
               <a:rPr lang="en-US" dirty="0" err="1"/>
               <a:t>AirBnB’s</a:t>
             </a:r>
+            <a:endParaRPr lang="en-US" dirty="0"/>
+          </a:p>
+          <a:p>
             <a:r>
               <a:rPr lang="en-US" dirty="0"/>
-              <a:t> </a:t>
+              <a:t>Let’s look closer… </a:t>
             </a:r>
           </a:p>
         </p:txBody>
@@ -3926,7 +4615,7 @@
 </p:sld>
 </file>
 
-<file path=ppt/slides/slide3.xml><?xml version="1.0" encoding="utf-8"?>
+<file path=ppt/slides/slide5.xml><?xml version="1.0" encoding="utf-8"?>
 <p:sld xmlns:a="http://schemas.openxmlformats.org/drawingml/2006/main" xmlns:r="http://schemas.openxmlformats.org/officeDocument/2006/relationships" xmlns:p="http://schemas.openxmlformats.org/presentationml/2006/main">
   <p:cSld>
     <p:spTree>
@@ -3970,8 +4659,20 @@
           <a:lstStyle/>
           <a:p>
             <a:r>
-              <a:rPr lang="en-US" sz="3200" dirty="0"/>
-              <a:t>Qty per Island</a:t>
+              <a:rPr lang="en-US" sz="3200" dirty="0" err="1">
+                <a:highlight>
+                  <a:srgbClr val="FFFF00"/>
+                </a:highlight>
+              </a:rPr>
+              <a:t>AirBnb</a:t>
+            </a:r>
+            <a:r>
+              <a:rPr lang="en-US" sz="3200" dirty="0">
+                <a:highlight>
+                  <a:srgbClr val="FFFF00"/>
+                </a:highlight>
+              </a:rPr>
+              <a:t> per Island</a:t>
             </a:r>
           </a:p>
         </p:txBody>
@@ -4014,7 +4715,7 @@
           <a:p>
             <a:r>
               <a:rPr lang="en-US" dirty="0"/>
-              <a:t>Who has the great</a:t>
+              <a:t>It is a close race between</a:t>
             </a:r>
           </a:p>
           <a:p>
@@ -4023,7 +4724,43 @@
             </a:pPr>
             <a:r>
               <a:rPr lang="en-US" dirty="0"/>
-              <a:t>hosts</a:t>
+              <a:t>Other’s</a:t>
+            </a:r>
+          </a:p>
+          <a:p>
+            <a:pPr marL="0" indent="0">
+              <a:buNone/>
+            </a:pPr>
+            <a:r>
+              <a:rPr lang="en-US" dirty="0"/>
+              <a:t>But wait, I want to know</a:t>
+            </a:r>
+          </a:p>
+          <a:p>
+            <a:pPr marL="0" indent="0">
+              <a:buNone/>
+            </a:pPr>
+            <a:r>
+              <a:rPr lang="en-US" dirty="0"/>
+              <a:t>More.</a:t>
+            </a:r>
+          </a:p>
+          <a:p>
+            <a:pPr marL="0" indent="0">
+              <a:buNone/>
+            </a:pPr>
+            <a:r>
+              <a:rPr lang="en-US" dirty="0"/>
+              <a:t>Question:</a:t>
+            </a:r>
+          </a:p>
+          <a:p>
+            <a:pPr marL="0" indent="0">
+              <a:buNone/>
+            </a:pPr>
+            <a:r>
+              <a:rPr lang="en-US" dirty="0"/>
+              <a:t>Who has the great hosts</a:t>
             </a:r>
           </a:p>
         </p:txBody>
@@ -4071,7 +4808,7 @@
 </p:sld>
 </file>
 
-<file path=ppt/slides/slide4.xml><?xml version="1.0" encoding="utf-8"?>
+<file path=ppt/slides/slide6.xml><?xml version="1.0" encoding="utf-8"?>
 <p:sld xmlns:a="http://schemas.openxmlformats.org/drawingml/2006/main" xmlns:r="http://schemas.openxmlformats.org/officeDocument/2006/relationships" xmlns:p="http://schemas.openxmlformats.org/presentationml/2006/main">
   <p:cSld>
     <p:spTree>
@@ -4093,6 +4830,89 @@
           <p:cNvPr id="2" name="Title 1">
             <a:extLst>
               <a:ext uri="{FF2B5EF4-FFF2-40B4-BE49-F238E27FC236}">
+                <a16:creationId xmlns:a16="http://schemas.microsoft.com/office/drawing/2014/main" id="{460EAC36-6C7B-4A16-8361-95854E8FEC9D}"/>
+              </a:ext>
+            </a:extLst>
+          </p:cNvPr>
+          <p:cNvSpPr>
+            <a:spLocks noGrp="1"/>
+          </p:cNvSpPr>
+          <p:nvPr>
+            <p:ph type="title"/>
+          </p:nvPr>
+        </p:nvSpPr>
+        <p:spPr/>
+        <p:txBody>
+          <a:bodyPr/>
+          <a:lstStyle/>
+          <a:p>
+            <a:r>
+              <a:rPr lang="en-US" dirty="0"/>
+              <a:t>Question: Who has great hosts</a:t>
+            </a:r>
+          </a:p>
+        </p:txBody>
+      </p:sp>
+      <p:sp>
+        <p:nvSpPr>
+          <p:cNvPr id="3" name="Content Placeholder 2">
+            <a:extLst>
+              <a:ext uri="{FF2B5EF4-FFF2-40B4-BE49-F238E27FC236}">
+                <a16:creationId xmlns:a16="http://schemas.microsoft.com/office/drawing/2014/main" id="{F5CF51A3-D463-4DA8-9C09-DD5323DED6CC}"/>
+              </a:ext>
+            </a:extLst>
+          </p:cNvPr>
+          <p:cNvSpPr>
+            <a:spLocks noGrp="1"/>
+          </p:cNvSpPr>
+          <p:nvPr>
+            <p:ph idx="1"/>
+          </p:nvPr>
+        </p:nvSpPr>
+        <p:spPr/>
+        <p:txBody>
+          <a:bodyPr/>
+          <a:lstStyle/>
+          <a:p>
+            <a:endParaRPr lang="en-US"/>
+          </a:p>
+        </p:txBody>
+      </p:sp>
+    </p:spTree>
+    <p:extLst>
+      <p:ext uri="{BB962C8B-B14F-4D97-AF65-F5344CB8AC3E}">
+        <p14:creationId xmlns:p14="http://schemas.microsoft.com/office/powerpoint/2010/main" val="3706846063"/>
+      </p:ext>
+    </p:extLst>
+  </p:cSld>
+  <p:clrMapOvr>
+    <a:masterClrMapping/>
+  </p:clrMapOvr>
+</p:sld>
+</file>
+
+<file path=ppt/slides/slide7.xml><?xml version="1.0" encoding="utf-8"?>
+<p:sld xmlns:a="http://schemas.openxmlformats.org/drawingml/2006/main" xmlns:r="http://schemas.openxmlformats.org/officeDocument/2006/relationships" xmlns:p="http://schemas.openxmlformats.org/presentationml/2006/main">
+  <p:cSld>
+    <p:spTree>
+      <p:nvGrpSpPr>
+        <p:cNvPr id="1" name=""/>
+        <p:cNvGrpSpPr/>
+        <p:nvPr/>
+      </p:nvGrpSpPr>
+      <p:grpSpPr>
+        <a:xfrm>
+          <a:off x="0" y="0"/>
+          <a:ext cx="0" cy="0"/>
+          <a:chOff x="0" y="0"/>
+          <a:chExt cx="0" cy="0"/>
+        </a:xfrm>
+      </p:grpSpPr>
+      <p:sp>
+        <p:nvSpPr>
+          <p:cNvPr id="2" name="Title 1">
+            <a:extLst>
+              <a:ext uri="{FF2B5EF4-FFF2-40B4-BE49-F238E27FC236}">
                 <a16:creationId xmlns:a16="http://schemas.microsoft.com/office/drawing/2014/main" id="{70D3ED9E-AA7E-4967-B6BB-18ED1AEA7801}"/>
               </a:ext>
             </a:extLst>
@@ -4115,15 +4935,27 @@
           <a:lstStyle/>
           <a:p>
             <a:r>
-              <a:rPr lang="en-US" sz="3200" dirty="0"/>
+              <a:rPr lang="en-US" sz="3200" dirty="0">
+                <a:highlight>
+                  <a:srgbClr val="FFFF00"/>
+                </a:highlight>
+              </a:rPr>
               <a:t>Great</a:t>
             </a:r>
             <a:r>
-              <a:rPr lang="en-US" dirty="0"/>
+              <a:rPr lang="en-US" dirty="0">
+                <a:highlight>
+                  <a:srgbClr val="FFFF00"/>
+                </a:highlight>
+              </a:rPr>
               <a:t> </a:t>
             </a:r>
             <a:r>
-              <a:rPr lang="en-US" sz="3200" dirty="0"/>
+              <a:rPr lang="en-US" sz="3200" dirty="0">
+                <a:highlight>
+                  <a:srgbClr val="FFFF00"/>
+                </a:highlight>
+              </a:rPr>
               <a:t>Hosts</a:t>
             </a:r>
           </a:p>
@@ -4157,7 +4989,16 @@
           <a:p>
             <a:r>
               <a:rPr lang="en-US" dirty="0"/>
-              <a:t>Hawaii is even</a:t>
+              <a:t>Hawaii is even with</a:t>
+            </a:r>
+          </a:p>
+          <a:p>
+            <a:pPr marL="0" indent="0">
+              <a:buNone/>
+            </a:pPr>
+            <a:r>
+              <a:rPr lang="en-US" dirty="0"/>
+              <a:t>Maui</a:t>
             </a:r>
           </a:p>
         </p:txBody>
@@ -4205,7 +5046,7 @@
 </p:sld>
 </file>
 
-<file path=ppt/slides/slide5.xml><?xml version="1.0" encoding="utf-8"?>
+<file path=ppt/slides/slide8.xml><?xml version="1.0" encoding="utf-8"?>
 <p:sld xmlns:a="http://schemas.openxmlformats.org/drawingml/2006/main" xmlns:r="http://schemas.openxmlformats.org/officeDocument/2006/relationships" xmlns:p="http://schemas.openxmlformats.org/presentationml/2006/main">
   <p:cSld>
     <p:spTree>
@@ -4227,6 +5068,102 @@
           <p:cNvPr id="2" name="Title 1">
             <a:extLst>
               <a:ext uri="{FF2B5EF4-FFF2-40B4-BE49-F238E27FC236}">
+                <a16:creationId xmlns:a16="http://schemas.microsoft.com/office/drawing/2014/main" id="{D097F77F-6A55-4F33-9216-E098E5DFCD2A}"/>
+              </a:ext>
+            </a:extLst>
+          </p:cNvPr>
+          <p:cNvSpPr>
+            <a:spLocks noGrp="1"/>
+          </p:cNvSpPr>
+          <p:nvPr>
+            <p:ph type="title"/>
+          </p:nvPr>
+        </p:nvSpPr>
+        <p:spPr/>
+        <p:txBody>
+          <a:bodyPr/>
+          <a:lstStyle/>
+          <a:p>
+            <a:r>
+              <a:rPr lang="en-US" dirty="0"/>
+              <a:t>Question: How old are </a:t>
+            </a:r>
+            <a:r>
+              <a:rPr lang="en-US" dirty="0" err="1"/>
+              <a:t>AirBnB</a:t>
+            </a:r>
+            <a:endParaRPr lang="en-US" dirty="0"/>
+          </a:p>
+        </p:txBody>
+      </p:sp>
+      <p:sp>
+        <p:nvSpPr>
+          <p:cNvPr id="3" name="Content Placeholder 2">
+            <a:extLst>
+              <a:ext uri="{FF2B5EF4-FFF2-40B4-BE49-F238E27FC236}">
+                <a16:creationId xmlns:a16="http://schemas.microsoft.com/office/drawing/2014/main" id="{0C5A7DFB-CBF8-475F-A661-4AA5FE522E2C}"/>
+              </a:ext>
+            </a:extLst>
+          </p:cNvPr>
+          <p:cNvSpPr>
+            <a:spLocks noGrp="1"/>
+          </p:cNvSpPr>
+          <p:nvPr>
+            <p:ph idx="1"/>
+          </p:nvPr>
+        </p:nvSpPr>
+        <p:spPr/>
+        <p:txBody>
+          <a:bodyPr/>
+          <a:lstStyle/>
+          <a:p>
+            <a:r>
+              <a:rPr lang="en-US" dirty="0"/>
+              <a:t>But how old are </a:t>
+            </a:r>
+            <a:r>
+              <a:rPr lang="en-US" dirty="0" err="1"/>
+              <a:t>AirBnB</a:t>
+            </a:r>
+            <a:endParaRPr lang="en-US" dirty="0"/>
+          </a:p>
+        </p:txBody>
+      </p:sp>
+    </p:spTree>
+    <p:extLst>
+      <p:ext uri="{BB962C8B-B14F-4D97-AF65-F5344CB8AC3E}">
+        <p14:creationId xmlns:p14="http://schemas.microsoft.com/office/powerpoint/2010/main" val="1376410376"/>
+      </p:ext>
+    </p:extLst>
+  </p:cSld>
+  <p:clrMapOvr>
+    <a:masterClrMapping/>
+  </p:clrMapOvr>
+</p:sld>
+</file>
+
+<file path=ppt/slides/slide9.xml><?xml version="1.0" encoding="utf-8"?>
+<p:sld xmlns:a="http://schemas.openxmlformats.org/drawingml/2006/main" xmlns:r="http://schemas.openxmlformats.org/officeDocument/2006/relationships" xmlns:p="http://schemas.openxmlformats.org/presentationml/2006/main">
+  <p:cSld>
+    <p:spTree>
+      <p:nvGrpSpPr>
+        <p:cNvPr id="1" name=""/>
+        <p:cNvGrpSpPr/>
+        <p:nvPr/>
+      </p:nvGrpSpPr>
+      <p:grpSpPr>
+        <a:xfrm>
+          <a:off x="0" y="0"/>
+          <a:ext cx="0" cy="0"/>
+          <a:chOff x="0" y="0"/>
+          <a:chExt cx="0" cy="0"/>
+        </a:xfrm>
+      </p:grpSpPr>
+      <p:sp>
+        <p:nvSpPr>
+          <p:cNvPr id="2" name="Title 1">
+            <a:extLst>
+              <a:ext uri="{FF2B5EF4-FFF2-40B4-BE49-F238E27FC236}">
                 <a16:creationId xmlns:a16="http://schemas.microsoft.com/office/drawing/2014/main" id="{3411D87C-92E0-4300-80E8-EBD41AF06A59}"/>
               </a:ext>
             </a:extLst>
@@ -4251,7 +5188,11 @@
           <a:lstStyle/>
           <a:p>
             <a:r>
-              <a:rPr lang="en-US" sz="3200" dirty="0"/>
+              <a:rPr lang="en-US" sz="3200" dirty="0">
+                <a:highlight>
+                  <a:srgbClr val="FFFF00"/>
+                </a:highlight>
+              </a:rPr>
               <a:t>Years of Ownership</a:t>
             </a:r>
           </a:p>
@@ -4339,285 +5280,6 @@
     <p:extLst>
       <p:ext uri="{BB962C8B-B14F-4D97-AF65-F5344CB8AC3E}">
         <p14:creationId xmlns:p14="http://schemas.microsoft.com/office/powerpoint/2010/main" val="59176197"/>
-      </p:ext>
-    </p:extLst>
-  </p:cSld>
-  <p:clrMapOvr>
-    <a:masterClrMapping/>
-  </p:clrMapOvr>
-</p:sld>
-</file>
-
-<file path=ppt/slides/slide6.xml><?xml version="1.0" encoding="utf-8"?>
-<p:sld xmlns:a="http://schemas.openxmlformats.org/drawingml/2006/main" xmlns:r="http://schemas.openxmlformats.org/officeDocument/2006/relationships" xmlns:p="http://schemas.openxmlformats.org/presentationml/2006/main">
-  <p:cSld>
-    <p:spTree>
-      <p:nvGrpSpPr>
-        <p:cNvPr id="1" name=""/>
-        <p:cNvGrpSpPr/>
-        <p:nvPr/>
-      </p:nvGrpSpPr>
-      <p:grpSpPr>
-        <a:xfrm>
-          <a:off x="0" y="0"/>
-          <a:ext cx="0" cy="0"/>
-          <a:chOff x="0" y="0"/>
-          <a:chExt cx="0" cy="0"/>
-        </a:xfrm>
-      </p:grpSpPr>
-      <p:sp>
-        <p:nvSpPr>
-          <p:cNvPr id="2" name="Title 1">
-            <a:extLst>
-              <a:ext uri="{FF2B5EF4-FFF2-40B4-BE49-F238E27FC236}">
-                <a16:creationId xmlns:a16="http://schemas.microsoft.com/office/drawing/2014/main" id="{C3EA4167-1CBE-44AF-9D6C-6CD5B2D3005E}"/>
-              </a:ext>
-            </a:extLst>
-          </p:cNvPr>
-          <p:cNvSpPr>
-            <a:spLocks noGrp="1"/>
-          </p:cNvSpPr>
-          <p:nvPr>
-            <p:ph type="title"/>
-          </p:nvPr>
-        </p:nvSpPr>
-        <p:spPr/>
-        <p:txBody>
-          <a:bodyPr/>
-          <a:lstStyle/>
-          <a:p>
-            <a:r>
-              <a:rPr lang="en-US" dirty="0"/>
-              <a:t>Years of Ownership</a:t>
-            </a:r>
-          </a:p>
-        </p:txBody>
-      </p:sp>
-      <p:sp>
-        <p:nvSpPr>
-          <p:cNvPr id="3" name="Content Placeholder 2">
-            <a:extLst>
-              <a:ext uri="{FF2B5EF4-FFF2-40B4-BE49-F238E27FC236}">
-                <a16:creationId xmlns:a16="http://schemas.microsoft.com/office/drawing/2014/main" id="{AD71B832-78D8-4E52-843D-DFE9EADAD926}"/>
-              </a:ext>
-            </a:extLst>
-          </p:cNvPr>
-          <p:cNvSpPr>
-            <a:spLocks noGrp="1"/>
-          </p:cNvSpPr>
-          <p:nvPr>
-            <p:ph idx="1"/>
-          </p:nvPr>
-        </p:nvSpPr>
-        <p:spPr/>
-        <p:txBody>
-          <a:bodyPr/>
-          <a:lstStyle/>
-          <a:p>
-            <a:endParaRPr lang="en-US"/>
-          </a:p>
-        </p:txBody>
-      </p:sp>
-      <p:pic>
-        <p:nvPicPr>
-          <p:cNvPr id="4" name="Picture 3">
-            <a:extLst>
-              <a:ext uri="{FF2B5EF4-FFF2-40B4-BE49-F238E27FC236}">
-                <a16:creationId xmlns:a16="http://schemas.microsoft.com/office/drawing/2014/main" id="{C2529427-6888-4656-9809-AF85963BF30F}"/>
-              </a:ext>
-            </a:extLst>
-          </p:cNvPr>
-          <p:cNvPicPr>
-            <a:picLocks noChangeAspect="1"/>
-          </p:cNvPicPr>
-          <p:nvPr/>
-        </p:nvPicPr>
-        <p:blipFill>
-          <a:blip r:embed="rId2"/>
-          <a:stretch>
-            <a:fillRect/>
-          </a:stretch>
-        </p:blipFill>
-        <p:spPr>
-          <a:xfrm>
-            <a:off x="4853377" y="1989439"/>
-            <a:ext cx="6500423" cy="4023709"/>
-          </a:xfrm>
-          <a:prstGeom prst="rect">
-            <a:avLst/>
-          </a:prstGeom>
-        </p:spPr>
-      </p:pic>
-    </p:spTree>
-    <p:extLst>
-      <p:ext uri="{BB962C8B-B14F-4D97-AF65-F5344CB8AC3E}">
-        <p14:creationId xmlns:p14="http://schemas.microsoft.com/office/powerpoint/2010/main" val="1901684390"/>
-      </p:ext>
-    </p:extLst>
-  </p:cSld>
-  <p:clrMapOvr>
-    <a:masterClrMapping/>
-  </p:clrMapOvr>
-</p:sld>
-</file>
-
-<file path=ppt/slides/slide7.xml><?xml version="1.0" encoding="utf-8"?>
-<p:sld xmlns:a="http://schemas.openxmlformats.org/drawingml/2006/main" xmlns:r="http://schemas.openxmlformats.org/officeDocument/2006/relationships" xmlns:p="http://schemas.openxmlformats.org/presentationml/2006/main">
-  <p:cSld>
-    <p:spTree>
-      <p:nvGrpSpPr>
-        <p:cNvPr id="1" name=""/>
-        <p:cNvGrpSpPr/>
-        <p:nvPr/>
-      </p:nvGrpSpPr>
-      <p:grpSpPr>
-        <a:xfrm>
-          <a:off x="0" y="0"/>
-          <a:ext cx="0" cy="0"/>
-          <a:chOff x="0" y="0"/>
-          <a:chExt cx="0" cy="0"/>
-        </a:xfrm>
-      </p:grpSpPr>
-      <p:sp>
-        <p:nvSpPr>
-          <p:cNvPr id="2" name="Title 1">
-            <a:extLst>
-              <a:ext uri="{FF2B5EF4-FFF2-40B4-BE49-F238E27FC236}">
-                <a16:creationId xmlns:a16="http://schemas.microsoft.com/office/drawing/2014/main" id="{5DDC6DC2-6C9A-42D5-8C22-310FECA242D5}"/>
-              </a:ext>
-            </a:extLst>
-          </p:cNvPr>
-          <p:cNvSpPr>
-            <a:spLocks noGrp="1"/>
-          </p:cNvSpPr>
-          <p:nvPr>
-            <p:ph type="title"/>
-          </p:nvPr>
-        </p:nvSpPr>
-        <p:spPr/>
-        <p:txBody>
-          <a:bodyPr/>
-          <a:lstStyle/>
-          <a:p>
-            <a:r>
-              <a:rPr lang="en-US" dirty="0"/>
-              <a:t>Price</a:t>
-            </a:r>
-          </a:p>
-        </p:txBody>
-      </p:sp>
-      <p:sp>
-        <p:nvSpPr>
-          <p:cNvPr id="3" name="Content Placeholder 2">
-            <a:extLst>
-              <a:ext uri="{FF2B5EF4-FFF2-40B4-BE49-F238E27FC236}">
-                <a16:creationId xmlns:a16="http://schemas.microsoft.com/office/drawing/2014/main" id="{5E2ECB3A-B51E-418C-B505-9F28F138570E}"/>
-              </a:ext>
-            </a:extLst>
-          </p:cNvPr>
-          <p:cNvSpPr>
-            <a:spLocks noGrp="1"/>
-          </p:cNvSpPr>
-          <p:nvPr>
-            <p:ph idx="1"/>
-          </p:nvPr>
-        </p:nvSpPr>
-        <p:spPr/>
-        <p:txBody>
-          <a:bodyPr/>
-          <a:lstStyle/>
-          <a:p>
-            <a:endParaRPr lang="en-US"/>
-          </a:p>
-        </p:txBody>
-      </p:sp>
-    </p:spTree>
-    <p:extLst>
-      <p:ext uri="{BB962C8B-B14F-4D97-AF65-F5344CB8AC3E}">
-        <p14:creationId xmlns:p14="http://schemas.microsoft.com/office/powerpoint/2010/main" val="1753957574"/>
-      </p:ext>
-    </p:extLst>
-  </p:cSld>
-  <p:clrMapOvr>
-    <a:masterClrMapping/>
-  </p:clrMapOvr>
-</p:sld>
-</file>
-
-<file path=ppt/slides/slide8.xml><?xml version="1.0" encoding="utf-8"?>
-<p:sld xmlns:a="http://schemas.openxmlformats.org/drawingml/2006/main" xmlns:r="http://schemas.openxmlformats.org/officeDocument/2006/relationships" xmlns:p="http://schemas.openxmlformats.org/presentationml/2006/main">
-  <p:cSld>
-    <p:spTree>
-      <p:nvGrpSpPr>
-        <p:cNvPr id="1" name=""/>
-        <p:cNvGrpSpPr/>
-        <p:nvPr/>
-      </p:nvGrpSpPr>
-      <p:grpSpPr>
-        <a:xfrm>
-          <a:off x="0" y="0"/>
-          <a:ext cx="0" cy="0"/>
-          <a:chOff x="0" y="0"/>
-          <a:chExt cx="0" cy="0"/>
-        </a:xfrm>
-      </p:grpSpPr>
-      <p:sp>
-        <p:nvSpPr>
-          <p:cNvPr id="2" name="Title 1">
-            <a:extLst>
-              <a:ext uri="{FF2B5EF4-FFF2-40B4-BE49-F238E27FC236}">
-                <a16:creationId xmlns:a16="http://schemas.microsoft.com/office/drawing/2014/main" id="{5509E55B-6FAB-43A5-9632-B80402F0CCF9}"/>
-              </a:ext>
-            </a:extLst>
-          </p:cNvPr>
-          <p:cNvSpPr>
-            <a:spLocks noGrp="1"/>
-          </p:cNvSpPr>
-          <p:nvPr>
-            <p:ph type="title"/>
-          </p:nvPr>
-        </p:nvSpPr>
-        <p:spPr/>
-        <p:txBody>
-          <a:bodyPr/>
-          <a:lstStyle/>
-          <a:p>
-            <a:r>
-              <a:rPr lang="en-US" dirty="0"/>
-              <a:t>Break it down by Hawaii</a:t>
-            </a:r>
-          </a:p>
-        </p:txBody>
-      </p:sp>
-      <p:sp>
-        <p:nvSpPr>
-          <p:cNvPr id="3" name="Content Placeholder 2">
-            <a:extLst>
-              <a:ext uri="{FF2B5EF4-FFF2-40B4-BE49-F238E27FC236}">
-                <a16:creationId xmlns:a16="http://schemas.microsoft.com/office/drawing/2014/main" id="{337D390B-7110-48DC-989D-299E8A35E4FF}"/>
-              </a:ext>
-            </a:extLst>
-          </p:cNvPr>
-          <p:cNvSpPr>
-            <a:spLocks noGrp="1"/>
-          </p:cNvSpPr>
-          <p:nvPr>
-            <p:ph idx="1"/>
-          </p:nvPr>
-        </p:nvSpPr>
-        <p:spPr/>
-        <p:txBody>
-          <a:bodyPr/>
-          <a:lstStyle/>
-          <a:p>
-            <a:endParaRPr lang="en-US"/>
-          </a:p>
-        </p:txBody>
-      </p:sp>
-    </p:spTree>
-    <p:extLst>
-      <p:ext uri="{BB962C8B-B14F-4D97-AF65-F5344CB8AC3E}">
-        <p14:creationId xmlns:p14="http://schemas.microsoft.com/office/powerpoint/2010/main" val="2505496381"/>
       </p:ext>
     </p:extLst>
   </p:cSld>
